--- a/Presentation.pptx
+++ b/Presentation.pptx
@@ -8,7 +8,12 @@
     <p:sldId id="256" r:id="rId2"/>
     <p:sldId id="257" r:id="rId3"/>
     <p:sldId id="258" r:id="rId4"/>
-    <p:sldId id="259" r:id="rId5"/>
+    <p:sldId id="261" r:id="rId5"/>
+    <p:sldId id="263" r:id="rId6"/>
+    <p:sldId id="265" r:id="rId7"/>
+    <p:sldId id="268" r:id="rId8"/>
+    <p:sldId id="260" r:id="rId9"/>
+    <p:sldId id="259" r:id="rId10"/>
   </p:sldIdLst>
   <p:sldSz cx="9144000" cy="6858000" type="screen4x3"/>
   <p:notesSz cx="6858000" cy="9144000"/>
@@ -246,7 +251,7 @@
           <a:p>
             <a:fld id="{603EDBD2-4ACB-D941-B74D-BA5E97C7561D}" type="datetimeFigureOut">
               <a:rPr lang="en-US" smtClean="0"/>
-              <a:t>1/10/21</a:t>
+              <a:t>1/30/21</a:t>
             </a:fld>
             <a:endParaRPr lang="en-US"/>
           </a:p>
@@ -416,7 +421,7 @@
           <a:p>
             <a:fld id="{603EDBD2-4ACB-D941-B74D-BA5E97C7561D}" type="datetimeFigureOut">
               <a:rPr lang="en-US" smtClean="0"/>
-              <a:t>1/10/21</a:t>
+              <a:t>1/30/21</a:t>
             </a:fld>
             <a:endParaRPr lang="en-US"/>
           </a:p>
@@ -596,7 +601,7 @@
           <a:p>
             <a:fld id="{603EDBD2-4ACB-D941-B74D-BA5E97C7561D}" type="datetimeFigureOut">
               <a:rPr lang="en-US" smtClean="0"/>
-              <a:t>1/10/21</a:t>
+              <a:t>1/30/21</a:t>
             </a:fld>
             <a:endParaRPr lang="en-US"/>
           </a:p>
@@ -766,7 +771,7 @@
           <a:p>
             <a:fld id="{603EDBD2-4ACB-D941-B74D-BA5E97C7561D}" type="datetimeFigureOut">
               <a:rPr lang="en-US" smtClean="0"/>
-              <a:t>1/10/21</a:t>
+              <a:t>1/30/21</a:t>
             </a:fld>
             <a:endParaRPr lang="en-US"/>
           </a:p>
@@ -1010,7 +1015,7 @@
           <a:p>
             <a:fld id="{603EDBD2-4ACB-D941-B74D-BA5E97C7561D}" type="datetimeFigureOut">
               <a:rPr lang="en-US" smtClean="0"/>
-              <a:t>1/10/21</a:t>
+              <a:t>1/30/21</a:t>
             </a:fld>
             <a:endParaRPr lang="en-US"/>
           </a:p>
@@ -1242,7 +1247,7 @@
           <a:p>
             <a:fld id="{603EDBD2-4ACB-D941-B74D-BA5E97C7561D}" type="datetimeFigureOut">
               <a:rPr lang="en-US" smtClean="0"/>
-              <a:t>1/10/21</a:t>
+              <a:t>1/30/21</a:t>
             </a:fld>
             <a:endParaRPr lang="en-US"/>
           </a:p>
@@ -1609,7 +1614,7 @@
           <a:p>
             <a:fld id="{603EDBD2-4ACB-D941-B74D-BA5E97C7561D}" type="datetimeFigureOut">
               <a:rPr lang="en-US" smtClean="0"/>
-              <a:t>1/10/21</a:t>
+              <a:t>1/30/21</a:t>
             </a:fld>
             <a:endParaRPr lang="en-US"/>
           </a:p>
@@ -1727,7 +1732,7 @@
           <a:p>
             <a:fld id="{603EDBD2-4ACB-D941-B74D-BA5E97C7561D}" type="datetimeFigureOut">
               <a:rPr lang="en-US" smtClean="0"/>
-              <a:t>1/10/21</a:t>
+              <a:t>1/30/21</a:t>
             </a:fld>
             <a:endParaRPr lang="en-US"/>
           </a:p>
@@ -1822,7 +1827,7 @@
           <a:p>
             <a:fld id="{603EDBD2-4ACB-D941-B74D-BA5E97C7561D}" type="datetimeFigureOut">
               <a:rPr lang="en-US" smtClean="0"/>
-              <a:t>1/10/21</a:t>
+              <a:t>1/30/21</a:t>
             </a:fld>
             <a:endParaRPr lang="en-US"/>
           </a:p>
@@ -2099,7 +2104,7 @@
           <a:p>
             <a:fld id="{603EDBD2-4ACB-D941-B74D-BA5E97C7561D}" type="datetimeFigureOut">
               <a:rPr lang="en-US" smtClean="0"/>
-              <a:t>1/10/21</a:t>
+              <a:t>1/30/21</a:t>
             </a:fld>
             <a:endParaRPr lang="en-US"/>
           </a:p>
@@ -2356,7 +2361,7 @@
           <a:p>
             <a:fld id="{603EDBD2-4ACB-D941-B74D-BA5E97C7561D}" type="datetimeFigureOut">
               <a:rPr lang="en-US" smtClean="0"/>
-              <a:t>1/10/21</a:t>
+              <a:t>1/30/21</a:t>
             </a:fld>
             <a:endParaRPr lang="en-US"/>
           </a:p>
@@ -2569,7 +2574,7 @@
           <a:p>
             <a:fld id="{603EDBD2-4ACB-D941-B74D-BA5E97C7561D}" type="datetimeFigureOut">
               <a:rPr lang="en-US" smtClean="0"/>
-              <a:t>1/10/21</a:t>
+              <a:t>1/30/21</a:t>
             </a:fld>
             <a:endParaRPr lang="en-US"/>
           </a:p>
@@ -2992,8 +2997,8 @@
         </p:nvSpPr>
         <p:spPr>
           <a:xfrm>
-            <a:off x="1143000" y="1457739"/>
-            <a:ext cx="6858000" cy="1700680"/>
+            <a:off x="1386508" y="1457739"/>
+            <a:ext cx="6370983" cy="1700680"/>
           </a:xfrm>
         </p:spPr>
         <p:txBody>
@@ -3004,7 +3009,7 @@
           <a:p>
             <a:r>
               <a:rPr lang="en-US" dirty="0"/>
-              <a:t>Microsoft Film Recommendations</a:t>
+              <a:t>Microsoft Film Industry Analysis</a:t>
             </a:r>
           </a:p>
         </p:txBody>
@@ -3033,7 +3038,7 @@
         </p:spPr>
         <p:txBody>
           <a:bodyPr>
-            <a:normAutofit/>
+            <a:normAutofit lnSpcReduction="10000"/>
           </a:bodyPr>
           <a:lstStyle/>
           <a:p>
@@ -3045,7 +3050,21 @@
           <a:p>
             <a:r>
               <a:rPr lang="en-US" dirty="0"/>
-              <a:t>XX/XX/2021</a:t>
+              <a:t>February 1</a:t>
+            </a:r>
+            <a:r>
+              <a:rPr lang="en-US" baseline="30000" dirty="0"/>
+              <a:t>st</a:t>
+            </a:r>
+            <a:r>
+              <a:rPr lang="en-US" dirty="0"/>
+              <a:t>, 2021</a:t>
+            </a:r>
+          </a:p>
+          <a:p>
+            <a:r>
+              <a:rPr lang="en-US" dirty="0"/>
+              <a:t>Self-Paced</a:t>
             </a:r>
           </a:p>
         </p:txBody>
@@ -3101,7 +3120,10 @@
           <a:bodyPr/>
           <a:lstStyle/>
           <a:p>
-            <a:endParaRPr lang="en-US"/>
+            <a:r>
+              <a:rPr lang="en-US" dirty="0"/>
+              <a:t>Methodology</a:t>
+            </a:r>
           </a:p>
         </p:txBody>
       </p:sp>
@@ -3123,10 +3145,56 @@
         </p:nvSpPr>
         <p:spPr/>
         <p:txBody>
-          <a:bodyPr/>
-          <a:lstStyle/>
-          <a:p>
-            <a:endParaRPr lang="en-US"/>
+          <a:bodyPr>
+            <a:normAutofit/>
+          </a:bodyPr>
+          <a:lstStyle/>
+          <a:p>
+            <a:pPr marL="0" indent="0">
+              <a:buNone/>
+            </a:pPr>
+            <a:r>
+              <a:rPr lang="en-US" sz="2000" dirty="0"/>
+              <a:t>The following analysis was drawn from 8 different Excel files, which contained different datasets regarding films’ budgets, gross profits, popularity and more.</a:t>
+            </a:r>
+          </a:p>
+          <a:p>
+            <a:pPr marL="0" indent="0">
+              <a:buNone/>
+            </a:pPr>
+            <a:endParaRPr lang="en-US" sz="2000" dirty="0"/>
+          </a:p>
+          <a:p>
+            <a:pPr marL="0" indent="0">
+              <a:buNone/>
+            </a:pPr>
+            <a:r>
+              <a:rPr lang="en-US" sz="2000" dirty="0"/>
+              <a:t>For this analysis, the visualizations and calculations were executed using multiple Python libraries. These include Pandas, NumPy, and </a:t>
+            </a:r>
+            <a:r>
+              <a:rPr lang="en-US" sz="2000" dirty="0" err="1"/>
+              <a:t>MatPlotLib</a:t>
+            </a:r>
+            <a:r>
+              <a:rPr lang="en-US" sz="2000" dirty="0"/>
+              <a:t>.</a:t>
+            </a:r>
+          </a:p>
+          <a:p>
+            <a:pPr marL="0" indent="0">
+              <a:buNone/>
+            </a:pPr>
+            <a:endParaRPr lang="en-US" sz="2000" dirty="0"/>
+          </a:p>
+          <a:p>
+            <a:pPr marL="0" indent="0">
+              <a:buNone/>
+            </a:pPr>
+            <a:r>
+              <a:rPr lang="en-US" sz="2000" dirty="0"/>
+              <a:t>Additional resources used for research are included at the end of this presentation. </a:t>
+            </a:r>
           </a:p>
         </p:txBody>
       </p:sp>
@@ -3181,7 +3249,10 @@
           <a:bodyPr/>
           <a:lstStyle/>
           <a:p>
-            <a:endParaRPr lang="en-US"/>
+            <a:r>
+              <a:rPr lang="en-US" dirty="0"/>
+              <a:t>Intro</a:t>
+            </a:r>
           </a:p>
         </p:txBody>
       </p:sp>
@@ -3245,6 +3316,404 @@
           <p:cNvPr id="2" name="Title 1">
             <a:extLst>
               <a:ext uri="{FF2B5EF4-FFF2-40B4-BE49-F238E27FC236}">
+                <a16:creationId xmlns:a16="http://schemas.microsoft.com/office/drawing/2014/main" id="{2046E2A8-D1FA-1D48-8570-B9D2B4F1ECCD}"/>
+              </a:ext>
+            </a:extLst>
+          </p:cNvPr>
+          <p:cNvSpPr>
+            <a:spLocks noGrp="1"/>
+          </p:cNvSpPr>
+          <p:nvPr>
+            <p:ph type="title"/>
+          </p:nvPr>
+        </p:nvSpPr>
+        <p:spPr/>
+        <p:txBody>
+          <a:bodyPr/>
+          <a:lstStyle/>
+          <a:p>
+            <a:r>
+              <a:rPr lang="en-US" dirty="0"/>
+              <a:t>What are the most popular films?</a:t>
+            </a:r>
+          </a:p>
+        </p:txBody>
+      </p:sp>
+      <p:sp>
+        <p:nvSpPr>
+          <p:cNvPr id="3" name="Content Placeholder 2">
+            <a:extLst>
+              <a:ext uri="{FF2B5EF4-FFF2-40B4-BE49-F238E27FC236}">
+                <a16:creationId xmlns:a16="http://schemas.microsoft.com/office/drawing/2014/main" id="{60788684-69CE-9446-8F0F-1290C13A6B99}"/>
+              </a:ext>
+            </a:extLst>
+          </p:cNvPr>
+          <p:cNvSpPr>
+            <a:spLocks noGrp="1"/>
+          </p:cNvSpPr>
+          <p:nvPr>
+            <p:ph idx="1"/>
+          </p:nvPr>
+        </p:nvSpPr>
+        <p:spPr/>
+        <p:txBody>
+          <a:bodyPr/>
+          <a:lstStyle/>
+          <a:p>
+            <a:endParaRPr lang="en-US"/>
+          </a:p>
+        </p:txBody>
+      </p:sp>
+    </p:spTree>
+    <p:extLst>
+      <p:ext uri="{BB962C8B-B14F-4D97-AF65-F5344CB8AC3E}">
+        <p14:creationId xmlns:p14="http://schemas.microsoft.com/office/powerpoint/2010/main" val="4058587778"/>
+      </p:ext>
+    </p:extLst>
+  </p:cSld>
+  <p:clrMapOvr>
+    <a:masterClrMapping/>
+  </p:clrMapOvr>
+</p:sld>
+</file>
+
+<file path=ppt/slides/slide5.xml><?xml version="1.0" encoding="utf-8"?>
+<p:sld xmlns:a="http://schemas.openxmlformats.org/drawingml/2006/main" xmlns:r="http://schemas.openxmlformats.org/officeDocument/2006/relationships" xmlns:p="http://schemas.openxmlformats.org/presentationml/2006/main">
+  <p:cSld>
+    <p:spTree>
+      <p:nvGrpSpPr>
+        <p:cNvPr id="1" name=""/>
+        <p:cNvGrpSpPr/>
+        <p:nvPr/>
+      </p:nvGrpSpPr>
+      <p:grpSpPr>
+        <a:xfrm>
+          <a:off x="0" y="0"/>
+          <a:ext cx="0" cy="0"/>
+          <a:chOff x="0" y="0"/>
+          <a:chExt cx="0" cy="0"/>
+        </a:xfrm>
+      </p:grpSpPr>
+      <p:sp>
+        <p:nvSpPr>
+          <p:cNvPr id="2" name="Title 1">
+            <a:extLst>
+              <a:ext uri="{FF2B5EF4-FFF2-40B4-BE49-F238E27FC236}">
+                <a16:creationId xmlns:a16="http://schemas.microsoft.com/office/drawing/2014/main" id="{2046E2A8-D1FA-1D48-8570-B9D2B4F1ECCD}"/>
+              </a:ext>
+            </a:extLst>
+          </p:cNvPr>
+          <p:cNvSpPr>
+            <a:spLocks noGrp="1"/>
+          </p:cNvSpPr>
+          <p:nvPr>
+            <p:ph type="title"/>
+          </p:nvPr>
+        </p:nvSpPr>
+        <p:spPr/>
+        <p:txBody>
+          <a:bodyPr/>
+          <a:lstStyle/>
+          <a:p>
+            <a:r>
+              <a:rPr lang="en-US" dirty="0"/>
+              <a:t>What are the most lucrative films?</a:t>
+            </a:r>
+          </a:p>
+        </p:txBody>
+      </p:sp>
+      <p:sp>
+        <p:nvSpPr>
+          <p:cNvPr id="3" name="Content Placeholder 2">
+            <a:extLst>
+              <a:ext uri="{FF2B5EF4-FFF2-40B4-BE49-F238E27FC236}">
+                <a16:creationId xmlns:a16="http://schemas.microsoft.com/office/drawing/2014/main" id="{60788684-69CE-9446-8F0F-1290C13A6B99}"/>
+              </a:ext>
+            </a:extLst>
+          </p:cNvPr>
+          <p:cNvSpPr>
+            <a:spLocks noGrp="1"/>
+          </p:cNvSpPr>
+          <p:nvPr>
+            <p:ph idx="1"/>
+          </p:nvPr>
+        </p:nvSpPr>
+        <p:spPr/>
+        <p:txBody>
+          <a:bodyPr/>
+          <a:lstStyle/>
+          <a:p>
+            <a:endParaRPr lang="en-US"/>
+          </a:p>
+        </p:txBody>
+      </p:sp>
+    </p:spTree>
+    <p:extLst>
+      <p:ext uri="{BB962C8B-B14F-4D97-AF65-F5344CB8AC3E}">
+        <p14:creationId xmlns:p14="http://schemas.microsoft.com/office/powerpoint/2010/main" val="4270431863"/>
+      </p:ext>
+    </p:extLst>
+  </p:cSld>
+  <p:clrMapOvr>
+    <a:masterClrMapping/>
+  </p:clrMapOvr>
+</p:sld>
+</file>
+
+<file path=ppt/slides/slide6.xml><?xml version="1.0" encoding="utf-8"?>
+<p:sld xmlns:a="http://schemas.openxmlformats.org/drawingml/2006/main" xmlns:r="http://schemas.openxmlformats.org/officeDocument/2006/relationships" xmlns:p="http://schemas.openxmlformats.org/presentationml/2006/main">
+  <p:cSld>
+    <p:spTree>
+      <p:nvGrpSpPr>
+        <p:cNvPr id="1" name=""/>
+        <p:cNvGrpSpPr/>
+        <p:nvPr/>
+      </p:nvGrpSpPr>
+      <p:grpSpPr>
+        <a:xfrm>
+          <a:off x="0" y="0"/>
+          <a:ext cx="0" cy="0"/>
+          <a:chOff x="0" y="0"/>
+          <a:chExt cx="0" cy="0"/>
+        </a:xfrm>
+      </p:grpSpPr>
+      <p:sp>
+        <p:nvSpPr>
+          <p:cNvPr id="2" name="Title 1">
+            <a:extLst>
+              <a:ext uri="{FF2B5EF4-FFF2-40B4-BE49-F238E27FC236}">
+                <a16:creationId xmlns:a16="http://schemas.microsoft.com/office/drawing/2014/main" id="{2046E2A8-D1FA-1D48-8570-B9D2B4F1ECCD}"/>
+              </a:ext>
+            </a:extLst>
+          </p:cNvPr>
+          <p:cNvSpPr>
+            <a:spLocks noGrp="1"/>
+          </p:cNvSpPr>
+          <p:nvPr>
+            <p:ph type="title"/>
+          </p:nvPr>
+        </p:nvSpPr>
+        <p:spPr/>
+        <p:txBody>
+          <a:bodyPr/>
+          <a:lstStyle/>
+          <a:p>
+            <a:r>
+              <a:rPr lang="en-US" dirty="0"/>
+              <a:t>What are the most expensive films?</a:t>
+            </a:r>
+          </a:p>
+        </p:txBody>
+      </p:sp>
+      <p:sp>
+        <p:nvSpPr>
+          <p:cNvPr id="3" name="Content Placeholder 2">
+            <a:extLst>
+              <a:ext uri="{FF2B5EF4-FFF2-40B4-BE49-F238E27FC236}">
+                <a16:creationId xmlns:a16="http://schemas.microsoft.com/office/drawing/2014/main" id="{60788684-69CE-9446-8F0F-1290C13A6B99}"/>
+              </a:ext>
+            </a:extLst>
+          </p:cNvPr>
+          <p:cNvSpPr>
+            <a:spLocks noGrp="1"/>
+          </p:cNvSpPr>
+          <p:nvPr>
+            <p:ph idx="1"/>
+          </p:nvPr>
+        </p:nvSpPr>
+        <p:spPr/>
+        <p:txBody>
+          <a:bodyPr/>
+          <a:lstStyle/>
+          <a:p>
+            <a:endParaRPr lang="en-US" dirty="0"/>
+          </a:p>
+        </p:txBody>
+      </p:sp>
+    </p:spTree>
+    <p:extLst>
+      <p:ext uri="{BB962C8B-B14F-4D97-AF65-F5344CB8AC3E}">
+        <p14:creationId xmlns:p14="http://schemas.microsoft.com/office/powerpoint/2010/main" val="1021800676"/>
+      </p:ext>
+    </p:extLst>
+  </p:cSld>
+  <p:clrMapOvr>
+    <a:masterClrMapping/>
+  </p:clrMapOvr>
+</p:sld>
+</file>
+
+<file path=ppt/slides/slide7.xml><?xml version="1.0" encoding="utf-8"?>
+<p:sld xmlns:a="http://schemas.openxmlformats.org/drawingml/2006/main" xmlns:r="http://schemas.openxmlformats.org/officeDocument/2006/relationships" xmlns:p="http://schemas.openxmlformats.org/presentationml/2006/main">
+  <p:cSld>
+    <p:spTree>
+      <p:nvGrpSpPr>
+        <p:cNvPr id="1" name=""/>
+        <p:cNvGrpSpPr/>
+        <p:nvPr/>
+      </p:nvGrpSpPr>
+      <p:grpSpPr>
+        <a:xfrm>
+          <a:off x="0" y="0"/>
+          <a:ext cx="0" cy="0"/>
+          <a:chOff x="0" y="0"/>
+          <a:chExt cx="0" cy="0"/>
+        </a:xfrm>
+      </p:grpSpPr>
+      <p:sp>
+        <p:nvSpPr>
+          <p:cNvPr id="2" name="Title 1">
+            <a:extLst>
+              <a:ext uri="{FF2B5EF4-FFF2-40B4-BE49-F238E27FC236}">
+                <a16:creationId xmlns:a16="http://schemas.microsoft.com/office/drawing/2014/main" id="{2046E2A8-D1FA-1D48-8570-B9D2B4F1ECCD}"/>
+              </a:ext>
+            </a:extLst>
+          </p:cNvPr>
+          <p:cNvSpPr>
+            <a:spLocks noGrp="1"/>
+          </p:cNvSpPr>
+          <p:nvPr>
+            <p:ph type="title"/>
+          </p:nvPr>
+        </p:nvSpPr>
+        <p:spPr/>
+        <p:txBody>
+          <a:bodyPr/>
+          <a:lstStyle/>
+          <a:p>
+            <a:r>
+              <a:rPr lang="en-US" dirty="0"/>
+              <a:t>Recommendations</a:t>
+            </a:r>
+          </a:p>
+        </p:txBody>
+      </p:sp>
+      <p:sp>
+        <p:nvSpPr>
+          <p:cNvPr id="3" name="Content Placeholder 2">
+            <a:extLst>
+              <a:ext uri="{FF2B5EF4-FFF2-40B4-BE49-F238E27FC236}">
+                <a16:creationId xmlns:a16="http://schemas.microsoft.com/office/drawing/2014/main" id="{60788684-69CE-9446-8F0F-1290C13A6B99}"/>
+              </a:ext>
+            </a:extLst>
+          </p:cNvPr>
+          <p:cNvSpPr>
+            <a:spLocks noGrp="1"/>
+          </p:cNvSpPr>
+          <p:nvPr>
+            <p:ph idx="1"/>
+          </p:nvPr>
+        </p:nvSpPr>
+        <p:spPr/>
+        <p:txBody>
+          <a:bodyPr/>
+          <a:lstStyle/>
+          <a:p>
+            <a:endParaRPr lang="en-US"/>
+          </a:p>
+        </p:txBody>
+      </p:sp>
+    </p:spTree>
+    <p:extLst>
+      <p:ext uri="{BB962C8B-B14F-4D97-AF65-F5344CB8AC3E}">
+        <p14:creationId xmlns:p14="http://schemas.microsoft.com/office/powerpoint/2010/main" val="904231667"/>
+      </p:ext>
+    </p:extLst>
+  </p:cSld>
+  <p:clrMapOvr>
+    <a:masterClrMapping/>
+  </p:clrMapOvr>
+</p:sld>
+</file>
+
+<file path=ppt/slides/slide8.xml><?xml version="1.0" encoding="utf-8"?>
+<p:sld xmlns:a="http://schemas.openxmlformats.org/drawingml/2006/main" xmlns:r="http://schemas.openxmlformats.org/officeDocument/2006/relationships" xmlns:p="http://schemas.openxmlformats.org/presentationml/2006/main">
+  <p:cSld>
+    <p:spTree>
+      <p:nvGrpSpPr>
+        <p:cNvPr id="1" name=""/>
+        <p:cNvGrpSpPr/>
+        <p:nvPr/>
+      </p:nvGrpSpPr>
+      <p:grpSpPr>
+        <a:xfrm>
+          <a:off x="0" y="0"/>
+          <a:ext cx="0" cy="0"/>
+          <a:chOff x="0" y="0"/>
+          <a:chExt cx="0" cy="0"/>
+        </a:xfrm>
+      </p:grpSpPr>
+      <p:sp>
+        <p:nvSpPr>
+          <p:cNvPr id="6" name="TextBox 5">
+            <a:extLst>
+              <a:ext uri="{FF2B5EF4-FFF2-40B4-BE49-F238E27FC236}">
+                <a16:creationId xmlns:a16="http://schemas.microsoft.com/office/drawing/2014/main" id="{FEE1E8B8-EC92-7F47-A896-192BB0B85648}"/>
+              </a:ext>
+            </a:extLst>
+          </p:cNvPr>
+          <p:cNvSpPr txBox="1"/>
+          <p:nvPr/>
+        </p:nvSpPr>
+        <p:spPr>
+          <a:xfrm>
+            <a:off x="2208144" y="2686472"/>
+            <a:ext cx="4727712" cy="1107996"/>
+          </a:xfrm>
+          <a:prstGeom prst="rect">
+            <a:avLst/>
+          </a:prstGeom>
+          <a:noFill/>
+        </p:spPr>
+        <p:txBody>
+          <a:bodyPr wrap="square" rtlCol="0">
+            <a:spAutoFit/>
+          </a:bodyPr>
+          <a:lstStyle/>
+          <a:p>
+            <a:pPr algn="ctr"/>
+            <a:r>
+              <a:rPr lang="en-US" sz="6600" dirty="0"/>
+              <a:t>Thank You!!</a:t>
+            </a:r>
+          </a:p>
+        </p:txBody>
+      </p:sp>
+    </p:spTree>
+    <p:extLst>
+      <p:ext uri="{BB962C8B-B14F-4D97-AF65-F5344CB8AC3E}">
+        <p14:creationId xmlns:p14="http://schemas.microsoft.com/office/powerpoint/2010/main" val="2038972123"/>
+      </p:ext>
+    </p:extLst>
+  </p:cSld>
+  <p:clrMapOvr>
+    <a:masterClrMapping/>
+  </p:clrMapOvr>
+</p:sld>
+</file>
+
+<file path=ppt/slides/slide9.xml><?xml version="1.0" encoding="utf-8"?>
+<p:sld xmlns:a="http://schemas.openxmlformats.org/drawingml/2006/main" xmlns:r="http://schemas.openxmlformats.org/officeDocument/2006/relationships" xmlns:p="http://schemas.openxmlformats.org/presentationml/2006/main">
+  <p:cSld>
+    <p:spTree>
+      <p:nvGrpSpPr>
+        <p:cNvPr id="1" name=""/>
+        <p:cNvGrpSpPr/>
+        <p:nvPr/>
+      </p:nvGrpSpPr>
+      <p:grpSpPr>
+        <a:xfrm>
+          <a:off x="0" y="0"/>
+          <a:ext cx="0" cy="0"/>
+          <a:chOff x="0" y="0"/>
+          <a:chExt cx="0" cy="0"/>
+        </a:xfrm>
+      </p:grpSpPr>
+      <p:sp>
+        <p:nvSpPr>
+          <p:cNvPr id="2" name="Title 1">
+            <a:extLst>
+              <a:ext uri="{FF2B5EF4-FFF2-40B4-BE49-F238E27FC236}">
                 <a16:creationId xmlns:a16="http://schemas.microsoft.com/office/drawing/2014/main" id="{089195C1-7473-0141-A5DF-9758928671E1}"/>
               </a:ext>
             </a:extLst>
@@ -3261,7 +3730,10 @@
           <a:bodyPr/>
           <a:lstStyle/>
           <a:p>
-            <a:endParaRPr lang="en-US"/>
+            <a:r>
+              <a:rPr lang="en-US" dirty="0"/>
+              <a:t>Additional Resources</a:t>
+            </a:r>
           </a:p>
         </p:txBody>
       </p:sp>
@@ -3281,62 +3753,58 @@
             <p:ph idx="1"/>
           </p:nvPr>
         </p:nvSpPr>
-        <p:spPr/>
-        <p:txBody>
-          <a:bodyPr/>
-          <a:lstStyle/>
-          <a:p>
-            <a:endParaRPr lang="en-US" dirty="0"/>
-          </a:p>
-        </p:txBody>
-      </p:sp>
-      <p:sp>
-        <p:nvSpPr>
-          <p:cNvPr id="4" name="Rectangle 3">
-            <a:extLst>
-              <a:ext uri="{FF2B5EF4-FFF2-40B4-BE49-F238E27FC236}">
-                <a16:creationId xmlns:a16="http://schemas.microsoft.com/office/drawing/2014/main" id="{90412ACF-3413-364F-8412-B8A065AF55E8}"/>
-              </a:ext>
-            </a:extLst>
-          </p:cNvPr>
-          <p:cNvSpPr/>
-          <p:nvPr/>
-        </p:nvSpPr>
         <p:spPr>
           <a:xfrm>
-            <a:off x="748746" y="2575748"/>
-            <a:ext cx="7766604" cy="369332"/>
+            <a:off x="387212" y="1825625"/>
+            <a:ext cx="8369576" cy="4351338"/>
           </a:xfrm>
-          <a:prstGeom prst="rect">
-            <a:avLst/>
-          </a:prstGeom>
         </p:spPr>
         <p:txBody>
-          <a:bodyPr wrap="square">
-            <a:spAutoFit/>
-          </a:bodyPr>
-          <a:lstStyle/>
-          <a:p>
-            <a:r>
-              <a:rPr lang="en-US" dirty="0"/>
-              <a:t>https://</a:t>
-            </a:r>
-            <a:r>
-              <a:rPr lang="en-US" dirty="0" err="1"/>
-              <a:t>www.digitalspy.com</a:t>
-            </a:r>
-            <a:r>
-              <a:rPr lang="en-US" dirty="0"/>
-              <a:t>/movies/a870469/marvel-rights-characters-</a:t>
-            </a:r>
-            <a:r>
-              <a:rPr lang="en-US" dirty="0" err="1"/>
-              <a:t>disney</a:t>
-            </a:r>
-            <a:r>
-              <a:rPr lang="en-US" dirty="0"/>
-              <a:t>/</a:t>
-            </a:r>
+          <a:bodyPr/>
+          <a:lstStyle/>
+          <a:p>
+            <a:pPr marL="457200" indent="-457200">
+              <a:buAutoNum type="arabicParenR"/>
+            </a:pPr>
+            <a:r>
+              <a:rPr lang="en-US" sz="2000" dirty="0">
+                <a:hlinkClick r:id="rId2"/>
+              </a:rPr>
+              <a:t>https://www.digitalspy.com/movies/a870469/marvel-rights-characters-disney/</a:t>
+            </a:r>
+            <a:endParaRPr lang="en-US" sz="2000" dirty="0"/>
+          </a:p>
+          <a:p>
+            <a:pPr marL="457200" indent="-457200">
+              <a:buAutoNum type="arabicParenR"/>
+            </a:pPr>
+            <a:r>
+              <a:rPr lang="en-US" sz="2000" dirty="0" err="1"/>
+              <a:t>Zzzzzz</a:t>
+            </a:r>
+            <a:endParaRPr lang="en-US" sz="2000" dirty="0"/>
+          </a:p>
+          <a:p>
+            <a:pPr marL="457200" indent="-457200">
+              <a:buAutoNum type="arabicParenR"/>
+            </a:pPr>
+            <a:r>
+              <a:rPr lang="en-US" sz="2000" dirty="0" err="1"/>
+              <a:t>Xxxxxx</a:t>
+            </a:r>
+            <a:endParaRPr lang="en-US" sz="2000" dirty="0"/>
+          </a:p>
+          <a:p>
+            <a:pPr marL="457200" indent="-457200">
+              <a:buAutoNum type="arabicParenR"/>
+            </a:pPr>
+            <a:endParaRPr lang="en-US" sz="2000" dirty="0"/>
+          </a:p>
+          <a:p>
+            <a:pPr marL="0" indent="0">
+              <a:buNone/>
+            </a:pPr>
+            <a:endParaRPr lang="en-US" dirty="0"/>
           </a:p>
         </p:txBody>
       </p:sp>

--- a/Presentation.pptx
+++ b/Presentation.pptx
@@ -4,16 +4,21 @@
   <p:sldMasterIdLst>
     <p:sldMasterId id="2147483660" r:id="rId1"/>
   </p:sldMasterIdLst>
+  <p:notesMasterIdLst>
+    <p:notesMasterId r:id="rId13"/>
+  </p:notesMasterIdLst>
   <p:sldIdLst>
     <p:sldId id="256" r:id="rId2"/>
     <p:sldId id="257" r:id="rId3"/>
     <p:sldId id="258" r:id="rId4"/>
-    <p:sldId id="261" r:id="rId5"/>
-    <p:sldId id="263" r:id="rId6"/>
-    <p:sldId id="265" r:id="rId7"/>
-    <p:sldId id="268" r:id="rId8"/>
-    <p:sldId id="260" r:id="rId9"/>
-    <p:sldId id="259" r:id="rId10"/>
+    <p:sldId id="269" r:id="rId5"/>
+    <p:sldId id="261" r:id="rId6"/>
+    <p:sldId id="263" r:id="rId7"/>
+    <p:sldId id="265" r:id="rId8"/>
+    <p:sldId id="270" r:id="rId9"/>
+    <p:sldId id="268" r:id="rId10"/>
+    <p:sldId id="260" r:id="rId11"/>
+    <p:sldId id="259" r:id="rId12"/>
   </p:sldIdLst>
   <p:sldSz cx="9144000" cy="6858000" type="screen4x3"/>
   <p:notesSz cx="6858000" cy="9144000"/>
@@ -120,6 +125,554 @@
 </p:presentation>
 </file>
 
+<file path=ppt/notesMasters/notesMaster1.xml><?xml version="1.0" encoding="utf-8"?>
+<p:notesMaster xmlns:a="http://schemas.openxmlformats.org/drawingml/2006/main" xmlns:r="http://schemas.openxmlformats.org/officeDocument/2006/relationships" xmlns:p="http://schemas.openxmlformats.org/presentationml/2006/main">
+  <p:cSld>
+    <p:bg>
+      <p:bgRef idx="1001">
+        <a:schemeClr val="bg1"/>
+      </p:bgRef>
+    </p:bg>
+    <p:spTree>
+      <p:nvGrpSpPr>
+        <p:cNvPr id="1" name=""/>
+        <p:cNvGrpSpPr/>
+        <p:nvPr/>
+      </p:nvGrpSpPr>
+      <p:grpSpPr>
+        <a:xfrm>
+          <a:off x="0" y="0"/>
+          <a:ext cx="0" cy="0"/>
+          <a:chOff x="0" y="0"/>
+          <a:chExt cx="0" cy="0"/>
+        </a:xfrm>
+      </p:grpSpPr>
+      <p:sp>
+        <p:nvSpPr>
+          <p:cNvPr id="2" name="Header Placeholder 1"/>
+          <p:cNvSpPr>
+            <a:spLocks noGrp="1"/>
+          </p:cNvSpPr>
+          <p:nvPr>
+            <p:ph type="hdr" sz="quarter"/>
+          </p:nvPr>
+        </p:nvSpPr>
+        <p:spPr>
+          <a:xfrm>
+            <a:off x="0" y="0"/>
+            <a:ext cx="2971800" cy="458788"/>
+          </a:xfrm>
+          <a:prstGeom prst="rect">
+            <a:avLst/>
+          </a:prstGeom>
+        </p:spPr>
+        <p:txBody>
+          <a:bodyPr vert="horz" lIns="91440" tIns="45720" rIns="91440" bIns="45720" rtlCol="0"/>
+          <a:lstStyle>
+            <a:lvl1pPr algn="l">
+              <a:defRPr sz="1200"/>
+            </a:lvl1pPr>
+          </a:lstStyle>
+          <a:p>
+            <a:endParaRPr lang="en-US"/>
+          </a:p>
+        </p:txBody>
+      </p:sp>
+      <p:sp>
+        <p:nvSpPr>
+          <p:cNvPr id="3" name="Date Placeholder 2"/>
+          <p:cNvSpPr>
+            <a:spLocks noGrp="1"/>
+          </p:cNvSpPr>
+          <p:nvPr>
+            <p:ph type="dt" idx="1"/>
+          </p:nvPr>
+        </p:nvSpPr>
+        <p:spPr>
+          <a:xfrm>
+            <a:off x="3884613" y="0"/>
+            <a:ext cx="2971800" cy="458788"/>
+          </a:xfrm>
+          <a:prstGeom prst="rect">
+            <a:avLst/>
+          </a:prstGeom>
+        </p:spPr>
+        <p:txBody>
+          <a:bodyPr vert="horz" lIns="91440" tIns="45720" rIns="91440" bIns="45720" rtlCol="0"/>
+          <a:lstStyle>
+            <a:lvl1pPr algn="r">
+              <a:defRPr sz="1200"/>
+            </a:lvl1pPr>
+          </a:lstStyle>
+          <a:p>
+            <a:fld id="{72247FAF-F7CB-AD44-B55D-DFFEBBF4320B}" type="datetimeFigureOut">
+              <a:rPr lang="en-US" smtClean="0"/>
+              <a:t>1/31/21</a:t>
+            </a:fld>
+            <a:endParaRPr lang="en-US"/>
+          </a:p>
+        </p:txBody>
+      </p:sp>
+      <p:sp>
+        <p:nvSpPr>
+          <p:cNvPr id="4" name="Slide Image Placeholder 3"/>
+          <p:cNvSpPr>
+            <a:spLocks noGrp="1" noRot="1" noChangeAspect="1"/>
+          </p:cNvSpPr>
+          <p:nvPr>
+            <p:ph type="sldImg" idx="2"/>
+          </p:nvPr>
+        </p:nvSpPr>
+        <p:spPr>
+          <a:xfrm>
+            <a:off x="1371600" y="1143000"/>
+            <a:ext cx="4114800" cy="3086100"/>
+          </a:xfrm>
+          <a:prstGeom prst="rect">
+            <a:avLst/>
+          </a:prstGeom>
+          <a:noFill/>
+          <a:ln w="12700">
+            <a:solidFill>
+              <a:prstClr val="black"/>
+            </a:solidFill>
+          </a:ln>
+        </p:spPr>
+        <p:txBody>
+          <a:bodyPr vert="horz" lIns="91440" tIns="45720" rIns="91440" bIns="45720" rtlCol="0" anchor="ctr"/>
+          <a:lstStyle/>
+          <a:p>
+            <a:endParaRPr lang="en-US"/>
+          </a:p>
+        </p:txBody>
+      </p:sp>
+      <p:sp>
+        <p:nvSpPr>
+          <p:cNvPr id="5" name="Notes Placeholder 4"/>
+          <p:cNvSpPr>
+            <a:spLocks noGrp="1"/>
+          </p:cNvSpPr>
+          <p:nvPr>
+            <p:ph type="body" sz="quarter" idx="3"/>
+          </p:nvPr>
+        </p:nvSpPr>
+        <p:spPr>
+          <a:xfrm>
+            <a:off x="685800" y="4400550"/>
+            <a:ext cx="5486400" cy="3600450"/>
+          </a:xfrm>
+          <a:prstGeom prst="rect">
+            <a:avLst/>
+          </a:prstGeom>
+        </p:spPr>
+        <p:txBody>
+          <a:bodyPr vert="horz" lIns="91440" tIns="45720" rIns="91440" bIns="45720" rtlCol="0"/>
+          <a:lstStyle/>
+          <a:p>
+            <a:pPr lvl="0"/>
+            <a:r>
+              <a:rPr lang="en-US"/>
+              <a:t>Edit Master text styles</a:t>
+            </a:r>
+          </a:p>
+          <a:p>
+            <a:pPr lvl="1"/>
+            <a:r>
+              <a:rPr lang="en-US"/>
+              <a:t>Second level</a:t>
+            </a:r>
+          </a:p>
+          <a:p>
+            <a:pPr lvl="2"/>
+            <a:r>
+              <a:rPr lang="en-US"/>
+              <a:t>Third level</a:t>
+            </a:r>
+          </a:p>
+          <a:p>
+            <a:pPr lvl="3"/>
+            <a:r>
+              <a:rPr lang="en-US"/>
+              <a:t>Fourth level</a:t>
+            </a:r>
+          </a:p>
+          <a:p>
+            <a:pPr lvl="4"/>
+            <a:r>
+              <a:rPr lang="en-US"/>
+              <a:t>Fifth level</a:t>
+            </a:r>
+          </a:p>
+        </p:txBody>
+      </p:sp>
+      <p:sp>
+        <p:nvSpPr>
+          <p:cNvPr id="6" name="Footer Placeholder 5"/>
+          <p:cNvSpPr>
+            <a:spLocks noGrp="1"/>
+          </p:cNvSpPr>
+          <p:nvPr>
+            <p:ph type="ftr" sz="quarter" idx="4"/>
+          </p:nvPr>
+        </p:nvSpPr>
+        <p:spPr>
+          <a:xfrm>
+            <a:off x="0" y="8685213"/>
+            <a:ext cx="2971800" cy="458787"/>
+          </a:xfrm>
+          <a:prstGeom prst="rect">
+            <a:avLst/>
+          </a:prstGeom>
+        </p:spPr>
+        <p:txBody>
+          <a:bodyPr vert="horz" lIns="91440" tIns="45720" rIns="91440" bIns="45720" rtlCol="0" anchor="b"/>
+          <a:lstStyle>
+            <a:lvl1pPr algn="l">
+              <a:defRPr sz="1200"/>
+            </a:lvl1pPr>
+          </a:lstStyle>
+          <a:p>
+            <a:endParaRPr lang="en-US"/>
+          </a:p>
+        </p:txBody>
+      </p:sp>
+      <p:sp>
+        <p:nvSpPr>
+          <p:cNvPr id="7" name="Slide Number Placeholder 6"/>
+          <p:cNvSpPr>
+            <a:spLocks noGrp="1"/>
+          </p:cNvSpPr>
+          <p:nvPr>
+            <p:ph type="sldNum" sz="quarter" idx="5"/>
+          </p:nvPr>
+        </p:nvSpPr>
+        <p:spPr>
+          <a:xfrm>
+            <a:off x="3884613" y="8685213"/>
+            <a:ext cx="2971800" cy="458787"/>
+          </a:xfrm>
+          <a:prstGeom prst="rect">
+            <a:avLst/>
+          </a:prstGeom>
+        </p:spPr>
+        <p:txBody>
+          <a:bodyPr vert="horz" lIns="91440" tIns="45720" rIns="91440" bIns="45720" rtlCol="0" anchor="b"/>
+          <a:lstStyle>
+            <a:lvl1pPr algn="r">
+              <a:defRPr sz="1200"/>
+            </a:lvl1pPr>
+          </a:lstStyle>
+          <a:p>
+            <a:fld id="{C22212BE-518B-F647-A2C8-3E2CB39BC2C6}" type="slidenum">
+              <a:rPr lang="en-US" smtClean="0"/>
+              <a:t>‹#›</a:t>
+            </a:fld>
+            <a:endParaRPr lang="en-US"/>
+          </a:p>
+        </p:txBody>
+      </p:sp>
+    </p:spTree>
+    <p:extLst>
+      <p:ext uri="{BB962C8B-B14F-4D97-AF65-F5344CB8AC3E}">
+        <p14:creationId xmlns:p14="http://schemas.microsoft.com/office/powerpoint/2010/main" val="1906285510"/>
+      </p:ext>
+    </p:extLst>
+  </p:cSld>
+  <p:clrMap bg1="lt1" tx1="dk1" bg2="lt2" tx2="dk2" accent1="accent1" accent2="accent2" accent3="accent3" accent4="accent4" accent5="accent5" accent6="accent6" hlink="hlink" folHlink="folHlink"/>
+  <p:notesStyle>
+    <a:lvl1pPr marL="0" algn="l" defTabSz="914400" rtl="0" eaLnBrk="1" latinLnBrk="0" hangingPunct="1">
+      <a:defRPr sz="1200" kern="1200">
+        <a:solidFill>
+          <a:schemeClr val="tx1"/>
+        </a:solidFill>
+        <a:latin typeface="+mn-lt"/>
+        <a:ea typeface="+mn-ea"/>
+        <a:cs typeface="+mn-cs"/>
+      </a:defRPr>
+    </a:lvl1pPr>
+    <a:lvl2pPr marL="457200" algn="l" defTabSz="914400" rtl="0" eaLnBrk="1" latinLnBrk="0" hangingPunct="1">
+      <a:defRPr sz="1200" kern="1200">
+        <a:solidFill>
+          <a:schemeClr val="tx1"/>
+        </a:solidFill>
+        <a:latin typeface="+mn-lt"/>
+        <a:ea typeface="+mn-ea"/>
+        <a:cs typeface="+mn-cs"/>
+      </a:defRPr>
+    </a:lvl2pPr>
+    <a:lvl3pPr marL="914400" algn="l" defTabSz="914400" rtl="0" eaLnBrk="1" latinLnBrk="0" hangingPunct="1">
+      <a:defRPr sz="1200" kern="1200">
+        <a:solidFill>
+          <a:schemeClr val="tx1"/>
+        </a:solidFill>
+        <a:latin typeface="+mn-lt"/>
+        <a:ea typeface="+mn-ea"/>
+        <a:cs typeface="+mn-cs"/>
+      </a:defRPr>
+    </a:lvl3pPr>
+    <a:lvl4pPr marL="1371600" algn="l" defTabSz="914400" rtl="0" eaLnBrk="1" latinLnBrk="0" hangingPunct="1">
+      <a:defRPr sz="1200" kern="1200">
+        <a:solidFill>
+          <a:schemeClr val="tx1"/>
+        </a:solidFill>
+        <a:latin typeface="+mn-lt"/>
+        <a:ea typeface="+mn-ea"/>
+        <a:cs typeface="+mn-cs"/>
+      </a:defRPr>
+    </a:lvl4pPr>
+    <a:lvl5pPr marL="1828800" algn="l" defTabSz="914400" rtl="0" eaLnBrk="1" latinLnBrk="0" hangingPunct="1">
+      <a:defRPr sz="1200" kern="1200">
+        <a:solidFill>
+          <a:schemeClr val="tx1"/>
+        </a:solidFill>
+        <a:latin typeface="+mn-lt"/>
+        <a:ea typeface="+mn-ea"/>
+        <a:cs typeface="+mn-cs"/>
+      </a:defRPr>
+    </a:lvl5pPr>
+    <a:lvl6pPr marL="2286000" algn="l" defTabSz="914400" rtl="0" eaLnBrk="1" latinLnBrk="0" hangingPunct="1">
+      <a:defRPr sz="1200" kern="1200">
+        <a:solidFill>
+          <a:schemeClr val="tx1"/>
+        </a:solidFill>
+        <a:latin typeface="+mn-lt"/>
+        <a:ea typeface="+mn-ea"/>
+        <a:cs typeface="+mn-cs"/>
+      </a:defRPr>
+    </a:lvl6pPr>
+    <a:lvl7pPr marL="2743200" algn="l" defTabSz="914400" rtl="0" eaLnBrk="1" latinLnBrk="0" hangingPunct="1">
+      <a:defRPr sz="1200" kern="1200">
+        <a:solidFill>
+          <a:schemeClr val="tx1"/>
+        </a:solidFill>
+        <a:latin typeface="+mn-lt"/>
+        <a:ea typeface="+mn-ea"/>
+        <a:cs typeface="+mn-cs"/>
+      </a:defRPr>
+    </a:lvl7pPr>
+    <a:lvl8pPr marL="3200400" algn="l" defTabSz="914400" rtl="0" eaLnBrk="1" latinLnBrk="0" hangingPunct="1">
+      <a:defRPr sz="1200" kern="1200">
+        <a:solidFill>
+          <a:schemeClr val="tx1"/>
+        </a:solidFill>
+        <a:latin typeface="+mn-lt"/>
+        <a:ea typeface="+mn-ea"/>
+        <a:cs typeface="+mn-cs"/>
+      </a:defRPr>
+    </a:lvl8pPr>
+    <a:lvl9pPr marL="3657600" algn="l" defTabSz="914400" rtl="0" eaLnBrk="1" latinLnBrk="0" hangingPunct="1">
+      <a:defRPr sz="1200" kern="1200">
+        <a:solidFill>
+          <a:schemeClr val="tx1"/>
+        </a:solidFill>
+        <a:latin typeface="+mn-lt"/>
+        <a:ea typeface="+mn-ea"/>
+        <a:cs typeface="+mn-cs"/>
+      </a:defRPr>
+    </a:lvl9pPr>
+  </p:notesStyle>
+</p:notesMaster>
+</file>
+
+<file path=ppt/notesSlides/notesSlide1.xml><?xml version="1.0" encoding="utf-8"?>
+<p:notes xmlns:a="http://schemas.openxmlformats.org/drawingml/2006/main" xmlns:r="http://schemas.openxmlformats.org/officeDocument/2006/relationships" xmlns:p="http://schemas.openxmlformats.org/presentationml/2006/main">
+  <p:cSld>
+    <p:spTree>
+      <p:nvGrpSpPr>
+        <p:cNvPr id="1" name=""/>
+        <p:cNvGrpSpPr/>
+        <p:nvPr/>
+      </p:nvGrpSpPr>
+      <p:grpSpPr>
+        <a:xfrm>
+          <a:off x="0" y="0"/>
+          <a:ext cx="0" cy="0"/>
+          <a:chOff x="0" y="0"/>
+          <a:chExt cx="0" cy="0"/>
+        </a:xfrm>
+      </p:grpSpPr>
+      <p:sp>
+        <p:nvSpPr>
+          <p:cNvPr id="2" name="Slide Image Placeholder 1"/>
+          <p:cNvSpPr>
+            <a:spLocks noGrp="1" noRot="1" noChangeAspect="1"/>
+          </p:cNvSpPr>
+          <p:nvPr>
+            <p:ph type="sldImg"/>
+          </p:nvPr>
+        </p:nvSpPr>
+        <p:spPr/>
+      </p:sp>
+      <p:sp>
+        <p:nvSpPr>
+          <p:cNvPr id="3" name="Notes Placeholder 2"/>
+          <p:cNvSpPr>
+            <a:spLocks noGrp="1"/>
+          </p:cNvSpPr>
+          <p:nvPr>
+            <p:ph type="body" idx="1"/>
+          </p:nvPr>
+        </p:nvSpPr>
+        <p:spPr/>
+        <p:txBody>
+          <a:bodyPr/>
+          <a:lstStyle/>
+          <a:p>
+            <a:endParaRPr lang="en-US" dirty="0"/>
+          </a:p>
+        </p:txBody>
+      </p:sp>
+      <p:sp>
+        <p:nvSpPr>
+          <p:cNvPr id="4" name="Slide Number Placeholder 3"/>
+          <p:cNvSpPr>
+            <a:spLocks noGrp="1"/>
+          </p:cNvSpPr>
+          <p:nvPr>
+            <p:ph type="sldNum" sz="quarter" idx="5"/>
+          </p:nvPr>
+        </p:nvSpPr>
+        <p:spPr/>
+        <p:txBody>
+          <a:bodyPr/>
+          <a:lstStyle/>
+          <a:p>
+            <a:fld id="{C22212BE-518B-F647-A2C8-3E2CB39BC2C6}" type="slidenum">
+              <a:rPr lang="en-US" smtClean="0"/>
+              <a:t>8</a:t>
+            </a:fld>
+            <a:endParaRPr lang="en-US"/>
+          </a:p>
+        </p:txBody>
+      </p:sp>
+    </p:spTree>
+    <p:extLst>
+      <p:ext uri="{BB962C8B-B14F-4D97-AF65-F5344CB8AC3E}">
+        <p14:creationId xmlns:p14="http://schemas.microsoft.com/office/powerpoint/2010/main" val="1835484374"/>
+      </p:ext>
+    </p:extLst>
+  </p:cSld>
+  <p:clrMapOvr>
+    <a:masterClrMapping/>
+  </p:clrMapOvr>
+</p:notes>
+</file>
+
+<file path=ppt/notesSlides/notesSlide2.xml><?xml version="1.0" encoding="utf-8"?>
+<p:notes xmlns:a="http://schemas.openxmlformats.org/drawingml/2006/main" xmlns:r="http://schemas.openxmlformats.org/officeDocument/2006/relationships" xmlns:p="http://schemas.openxmlformats.org/presentationml/2006/main">
+  <p:cSld>
+    <p:spTree>
+      <p:nvGrpSpPr>
+        <p:cNvPr id="1" name=""/>
+        <p:cNvGrpSpPr/>
+        <p:nvPr/>
+      </p:nvGrpSpPr>
+      <p:grpSpPr>
+        <a:xfrm>
+          <a:off x="0" y="0"/>
+          <a:ext cx="0" cy="0"/>
+          <a:chOff x="0" y="0"/>
+          <a:chExt cx="0" cy="0"/>
+        </a:xfrm>
+      </p:grpSpPr>
+      <p:sp>
+        <p:nvSpPr>
+          <p:cNvPr id="2" name="Slide Image Placeholder 1"/>
+          <p:cNvSpPr>
+            <a:spLocks noGrp="1" noRot="1" noChangeAspect="1"/>
+          </p:cNvSpPr>
+          <p:nvPr>
+            <p:ph type="sldImg"/>
+          </p:nvPr>
+        </p:nvSpPr>
+        <p:spPr/>
+      </p:sp>
+      <p:sp>
+        <p:nvSpPr>
+          <p:cNvPr id="3" name="Notes Placeholder 2"/>
+          <p:cNvSpPr>
+            <a:spLocks noGrp="1"/>
+          </p:cNvSpPr>
+          <p:nvPr>
+            <p:ph type="body" idx="1"/>
+          </p:nvPr>
+        </p:nvSpPr>
+        <p:spPr/>
+        <p:txBody>
+          <a:bodyPr/>
+          <a:lstStyle/>
+          <a:p>
+            <a:pPr marL="0" marR="0" lvl="0" indent="0" algn="l" defTabSz="914400" rtl="0" eaLnBrk="1" fontAlgn="auto" latinLnBrk="0" hangingPunct="1">
+              <a:lnSpc>
+                <a:spcPct val="100000"/>
+              </a:lnSpc>
+              <a:spcBef>
+                <a:spcPts val="0"/>
+              </a:spcBef>
+              <a:spcAft>
+                <a:spcPts val="0"/>
+              </a:spcAft>
+              <a:buClrTx/>
+              <a:buSzTx/>
+              <a:buFontTx/>
+              <a:buNone/>
+              <a:tabLst/>
+              <a:defRPr/>
+            </a:pPr>
+            <a:r>
+              <a:rPr lang="en-US" dirty="0"/>
+              <a:t>Within the context of joining the film industry, I believe that Microsoft's most valuable asset is that roughly 50-60 million people own some kind of an Xbox device (original, 360, One, &amp; Series X). In this way, they are already in many peoples' </a:t>
+            </a:r>
+            <a:r>
+              <a:rPr lang="en-US" dirty="0" err="1"/>
+              <a:t>livingrooms</a:t>
+            </a:r>
+            <a:r>
+              <a:rPr lang="en-US" dirty="0"/>
+              <a:t>. As a result of this competitive advantage, there may be a lucrative solution for them, such as streaming, which seemingly has a smaller barrier to entry than filmmaking, but is still extremely competitive.</a:t>
+            </a:r>
+          </a:p>
+          <a:p>
+            <a:endParaRPr lang="en-US" dirty="0"/>
+          </a:p>
+        </p:txBody>
+      </p:sp>
+      <p:sp>
+        <p:nvSpPr>
+          <p:cNvPr id="4" name="Slide Number Placeholder 3"/>
+          <p:cNvSpPr>
+            <a:spLocks noGrp="1"/>
+          </p:cNvSpPr>
+          <p:nvPr>
+            <p:ph type="sldNum" sz="quarter" idx="5"/>
+          </p:nvPr>
+        </p:nvSpPr>
+        <p:spPr/>
+        <p:txBody>
+          <a:bodyPr/>
+          <a:lstStyle/>
+          <a:p>
+            <a:fld id="{C22212BE-518B-F647-A2C8-3E2CB39BC2C6}" type="slidenum">
+              <a:rPr lang="en-US" smtClean="0"/>
+              <a:t>9</a:t>
+            </a:fld>
+            <a:endParaRPr lang="en-US"/>
+          </a:p>
+        </p:txBody>
+      </p:sp>
+    </p:spTree>
+    <p:extLst>
+      <p:ext uri="{BB962C8B-B14F-4D97-AF65-F5344CB8AC3E}">
+        <p14:creationId xmlns:p14="http://schemas.microsoft.com/office/powerpoint/2010/main" val="761507273"/>
+      </p:ext>
+    </p:extLst>
+  </p:cSld>
+  <p:clrMapOvr>
+    <a:masterClrMapping/>
+  </p:clrMapOvr>
+</p:notes>
+</file>
+
 <file path=ppt/slideLayouts/slideLayout1.xml><?xml version="1.0" encoding="utf-8"?>
 <p:sldLayout xmlns:a="http://schemas.openxmlformats.org/drawingml/2006/main" xmlns:r="http://schemas.openxmlformats.org/officeDocument/2006/relationships" xmlns:p="http://schemas.openxmlformats.org/presentationml/2006/main" type="title" preserve="1">
   <p:cSld name="Title Slide">
@@ -251,7 +804,7 @@
           <a:p>
             <a:fld id="{603EDBD2-4ACB-D941-B74D-BA5E97C7561D}" type="datetimeFigureOut">
               <a:rPr lang="en-US" smtClean="0"/>
-              <a:t>1/30/21</a:t>
+              <a:t>1/31/21</a:t>
             </a:fld>
             <a:endParaRPr lang="en-US"/>
           </a:p>
@@ -421,7 +974,7 @@
           <a:p>
             <a:fld id="{603EDBD2-4ACB-D941-B74D-BA5E97C7561D}" type="datetimeFigureOut">
               <a:rPr lang="en-US" smtClean="0"/>
-              <a:t>1/30/21</a:t>
+              <a:t>1/31/21</a:t>
             </a:fld>
             <a:endParaRPr lang="en-US"/>
           </a:p>
@@ -601,7 +1154,7 @@
           <a:p>
             <a:fld id="{603EDBD2-4ACB-D941-B74D-BA5E97C7561D}" type="datetimeFigureOut">
               <a:rPr lang="en-US" smtClean="0"/>
-              <a:t>1/30/21</a:t>
+              <a:t>1/31/21</a:t>
             </a:fld>
             <a:endParaRPr lang="en-US"/>
           </a:p>
@@ -771,7 +1324,7 @@
           <a:p>
             <a:fld id="{603EDBD2-4ACB-D941-B74D-BA5E97C7561D}" type="datetimeFigureOut">
               <a:rPr lang="en-US" smtClean="0"/>
-              <a:t>1/30/21</a:t>
+              <a:t>1/31/21</a:t>
             </a:fld>
             <a:endParaRPr lang="en-US"/>
           </a:p>
@@ -1015,7 +1568,7 @@
           <a:p>
             <a:fld id="{603EDBD2-4ACB-D941-B74D-BA5E97C7561D}" type="datetimeFigureOut">
               <a:rPr lang="en-US" smtClean="0"/>
-              <a:t>1/30/21</a:t>
+              <a:t>1/31/21</a:t>
             </a:fld>
             <a:endParaRPr lang="en-US"/>
           </a:p>
@@ -1247,7 +1800,7 @@
           <a:p>
             <a:fld id="{603EDBD2-4ACB-D941-B74D-BA5E97C7561D}" type="datetimeFigureOut">
               <a:rPr lang="en-US" smtClean="0"/>
-              <a:t>1/30/21</a:t>
+              <a:t>1/31/21</a:t>
             </a:fld>
             <a:endParaRPr lang="en-US"/>
           </a:p>
@@ -1614,7 +2167,7 @@
           <a:p>
             <a:fld id="{603EDBD2-4ACB-D941-B74D-BA5E97C7561D}" type="datetimeFigureOut">
               <a:rPr lang="en-US" smtClean="0"/>
-              <a:t>1/30/21</a:t>
+              <a:t>1/31/21</a:t>
             </a:fld>
             <a:endParaRPr lang="en-US"/>
           </a:p>
@@ -1732,7 +2285,7 @@
           <a:p>
             <a:fld id="{603EDBD2-4ACB-D941-B74D-BA5E97C7561D}" type="datetimeFigureOut">
               <a:rPr lang="en-US" smtClean="0"/>
-              <a:t>1/30/21</a:t>
+              <a:t>1/31/21</a:t>
             </a:fld>
             <a:endParaRPr lang="en-US"/>
           </a:p>
@@ -1827,7 +2380,7 @@
           <a:p>
             <a:fld id="{603EDBD2-4ACB-D941-B74D-BA5E97C7561D}" type="datetimeFigureOut">
               <a:rPr lang="en-US" smtClean="0"/>
-              <a:t>1/30/21</a:t>
+              <a:t>1/31/21</a:t>
             </a:fld>
             <a:endParaRPr lang="en-US"/>
           </a:p>
@@ -2104,7 +2657,7 @@
           <a:p>
             <a:fld id="{603EDBD2-4ACB-D941-B74D-BA5E97C7561D}" type="datetimeFigureOut">
               <a:rPr lang="en-US" smtClean="0"/>
-              <a:t>1/30/21</a:t>
+              <a:t>1/31/21</a:t>
             </a:fld>
             <a:endParaRPr lang="en-US"/>
           </a:p>
@@ -2361,7 +2914,7 @@
           <a:p>
             <a:fld id="{603EDBD2-4ACB-D941-B74D-BA5E97C7561D}" type="datetimeFigureOut">
               <a:rPr lang="en-US" smtClean="0"/>
-              <a:t>1/30/21</a:t>
+              <a:t>1/31/21</a:t>
             </a:fld>
             <a:endParaRPr lang="en-US"/>
           </a:p>
@@ -2574,7 +3127,7 @@
           <a:p>
             <a:fld id="{603EDBD2-4ACB-D941-B74D-BA5E97C7561D}" type="datetimeFigureOut">
               <a:rPr lang="en-US" smtClean="0"/>
-              <a:t>1/30/21</a:t>
+              <a:t>1/31/21</a:t>
             </a:fld>
             <a:endParaRPr lang="en-US"/>
           </a:p>
@@ -3069,10 +3622,235 @@
           </a:p>
         </p:txBody>
       </p:sp>
+      <p:pic>
+        <p:nvPicPr>
+          <p:cNvPr id="5" name="Picture 4">
+            <a:extLst>
+              <a:ext uri="{FF2B5EF4-FFF2-40B4-BE49-F238E27FC236}">
+                <a16:creationId xmlns:a16="http://schemas.microsoft.com/office/drawing/2014/main" id="{36B426AB-9E62-3D48-B484-C927434FDE1F}"/>
+              </a:ext>
+            </a:extLst>
+          </p:cNvPr>
+          <p:cNvPicPr>
+            <a:picLocks noChangeAspect="1"/>
+          </p:cNvPicPr>
+          <p:nvPr/>
+        </p:nvPicPr>
+        <p:blipFill>
+          <a:blip r:embed="rId2"/>
+          <a:stretch>
+            <a:fillRect/>
+          </a:stretch>
+        </p:blipFill>
+        <p:spPr>
+          <a:xfrm>
+            <a:off x="112140" y="185237"/>
+            <a:ext cx="2061720" cy="1155148"/>
+          </a:xfrm>
+          <a:prstGeom prst="rect">
+            <a:avLst/>
+          </a:prstGeom>
+        </p:spPr>
+      </p:pic>
     </p:spTree>
     <p:extLst>
       <p:ext uri="{BB962C8B-B14F-4D97-AF65-F5344CB8AC3E}">
         <p14:creationId xmlns:p14="http://schemas.microsoft.com/office/powerpoint/2010/main" val="320112117"/>
+      </p:ext>
+    </p:extLst>
+  </p:cSld>
+  <p:clrMapOvr>
+    <a:masterClrMapping/>
+  </p:clrMapOvr>
+</p:sld>
+</file>
+
+<file path=ppt/slides/slide10.xml><?xml version="1.0" encoding="utf-8"?>
+<p:sld xmlns:a="http://schemas.openxmlformats.org/drawingml/2006/main" xmlns:r="http://schemas.openxmlformats.org/officeDocument/2006/relationships" xmlns:p="http://schemas.openxmlformats.org/presentationml/2006/main">
+  <p:cSld>
+    <p:spTree>
+      <p:nvGrpSpPr>
+        <p:cNvPr id="1" name=""/>
+        <p:cNvGrpSpPr/>
+        <p:nvPr/>
+      </p:nvGrpSpPr>
+      <p:grpSpPr>
+        <a:xfrm>
+          <a:off x="0" y="0"/>
+          <a:ext cx="0" cy="0"/>
+          <a:chOff x="0" y="0"/>
+          <a:chExt cx="0" cy="0"/>
+        </a:xfrm>
+      </p:grpSpPr>
+      <p:sp>
+        <p:nvSpPr>
+          <p:cNvPr id="6" name="TextBox 5">
+            <a:extLst>
+              <a:ext uri="{FF2B5EF4-FFF2-40B4-BE49-F238E27FC236}">
+                <a16:creationId xmlns:a16="http://schemas.microsoft.com/office/drawing/2014/main" id="{FEE1E8B8-EC92-7F47-A896-192BB0B85648}"/>
+              </a:ext>
+            </a:extLst>
+          </p:cNvPr>
+          <p:cNvSpPr txBox="1"/>
+          <p:nvPr/>
+        </p:nvSpPr>
+        <p:spPr>
+          <a:xfrm>
+            <a:off x="2208144" y="2686472"/>
+            <a:ext cx="4727712" cy="1107996"/>
+          </a:xfrm>
+          <a:prstGeom prst="rect">
+            <a:avLst/>
+          </a:prstGeom>
+          <a:noFill/>
+        </p:spPr>
+        <p:txBody>
+          <a:bodyPr wrap="square" rtlCol="0">
+            <a:spAutoFit/>
+          </a:bodyPr>
+          <a:lstStyle/>
+          <a:p>
+            <a:pPr algn="ctr"/>
+            <a:r>
+              <a:rPr lang="en-US" sz="6600" dirty="0"/>
+              <a:t>Thank You!!</a:t>
+            </a:r>
+          </a:p>
+        </p:txBody>
+      </p:sp>
+    </p:spTree>
+    <p:extLst>
+      <p:ext uri="{BB962C8B-B14F-4D97-AF65-F5344CB8AC3E}">
+        <p14:creationId xmlns:p14="http://schemas.microsoft.com/office/powerpoint/2010/main" val="2038972123"/>
+      </p:ext>
+    </p:extLst>
+  </p:cSld>
+  <p:clrMapOvr>
+    <a:masterClrMapping/>
+  </p:clrMapOvr>
+</p:sld>
+</file>
+
+<file path=ppt/slides/slide11.xml><?xml version="1.0" encoding="utf-8"?>
+<p:sld xmlns:a="http://schemas.openxmlformats.org/drawingml/2006/main" xmlns:r="http://schemas.openxmlformats.org/officeDocument/2006/relationships" xmlns:p="http://schemas.openxmlformats.org/presentationml/2006/main">
+  <p:cSld>
+    <p:spTree>
+      <p:nvGrpSpPr>
+        <p:cNvPr id="1" name=""/>
+        <p:cNvGrpSpPr/>
+        <p:nvPr/>
+      </p:nvGrpSpPr>
+      <p:grpSpPr>
+        <a:xfrm>
+          <a:off x="0" y="0"/>
+          <a:ext cx="0" cy="0"/>
+          <a:chOff x="0" y="0"/>
+          <a:chExt cx="0" cy="0"/>
+        </a:xfrm>
+      </p:grpSpPr>
+      <p:sp>
+        <p:nvSpPr>
+          <p:cNvPr id="2" name="Title 1">
+            <a:extLst>
+              <a:ext uri="{FF2B5EF4-FFF2-40B4-BE49-F238E27FC236}">
+                <a16:creationId xmlns:a16="http://schemas.microsoft.com/office/drawing/2014/main" id="{089195C1-7473-0141-A5DF-9758928671E1}"/>
+              </a:ext>
+            </a:extLst>
+          </p:cNvPr>
+          <p:cNvSpPr>
+            <a:spLocks noGrp="1"/>
+          </p:cNvSpPr>
+          <p:nvPr>
+            <p:ph type="title"/>
+          </p:nvPr>
+        </p:nvSpPr>
+        <p:spPr/>
+        <p:txBody>
+          <a:bodyPr/>
+          <a:lstStyle/>
+          <a:p>
+            <a:r>
+              <a:rPr lang="en-US" dirty="0"/>
+              <a:t>Additional Resources</a:t>
+            </a:r>
+          </a:p>
+        </p:txBody>
+      </p:sp>
+      <p:sp>
+        <p:nvSpPr>
+          <p:cNvPr id="3" name="Content Placeholder 2">
+            <a:extLst>
+              <a:ext uri="{FF2B5EF4-FFF2-40B4-BE49-F238E27FC236}">
+                <a16:creationId xmlns:a16="http://schemas.microsoft.com/office/drawing/2014/main" id="{861B0CCE-3644-F546-B6E1-F412405B0D18}"/>
+              </a:ext>
+            </a:extLst>
+          </p:cNvPr>
+          <p:cNvSpPr>
+            <a:spLocks noGrp="1"/>
+          </p:cNvSpPr>
+          <p:nvPr>
+            <p:ph idx="1"/>
+          </p:nvPr>
+        </p:nvSpPr>
+        <p:spPr>
+          <a:xfrm>
+            <a:off x="387212" y="1825625"/>
+            <a:ext cx="8369576" cy="4351338"/>
+          </a:xfrm>
+        </p:spPr>
+        <p:txBody>
+          <a:bodyPr/>
+          <a:lstStyle/>
+          <a:p>
+            <a:pPr marL="457200" indent="-457200">
+              <a:buAutoNum type="arabicParenR"/>
+            </a:pPr>
+            <a:r>
+              <a:rPr lang="en-US" sz="2000" dirty="0">
+                <a:hlinkClick r:id="rId2"/>
+              </a:rPr>
+              <a:t>https://www.digitalspy.com/movies/a870469/marvel-rights-characters-disney/</a:t>
+            </a:r>
+            <a:endParaRPr lang="en-US" sz="2000" dirty="0"/>
+          </a:p>
+          <a:p>
+            <a:pPr marL="457200" indent="-457200">
+              <a:buAutoNum type="arabicParenR"/>
+            </a:pPr>
+            <a:r>
+              <a:rPr lang="en-US" sz="2000" dirty="0" err="1"/>
+              <a:t>Zzzzzz</a:t>
+            </a:r>
+            <a:endParaRPr lang="en-US" sz="2000" dirty="0"/>
+          </a:p>
+          <a:p>
+            <a:pPr marL="457200" indent="-457200">
+              <a:buAutoNum type="arabicParenR"/>
+            </a:pPr>
+            <a:r>
+              <a:rPr lang="en-US" sz="2000" dirty="0" err="1"/>
+              <a:t>Xxxxxx</a:t>
+            </a:r>
+            <a:endParaRPr lang="en-US" sz="2000" dirty="0"/>
+          </a:p>
+          <a:p>
+            <a:pPr marL="457200" indent="-457200">
+              <a:buAutoNum type="arabicParenR"/>
+            </a:pPr>
+            <a:endParaRPr lang="en-US" sz="2000" dirty="0"/>
+          </a:p>
+          <a:p>
+            <a:pPr marL="0" indent="0">
+              <a:buNone/>
+            </a:pPr>
+            <a:endParaRPr lang="en-US" dirty="0"/>
+          </a:p>
+        </p:txBody>
+      </p:sp>
+    </p:spTree>
+    <p:extLst>
+      <p:ext uri="{BB962C8B-B14F-4D97-AF65-F5344CB8AC3E}">
+        <p14:creationId xmlns:p14="http://schemas.microsoft.com/office/powerpoint/2010/main" val="4015684761"/>
       </p:ext>
     </p:extLst>
   </p:cSld>
@@ -3155,7 +3933,7 @@
             </a:pPr>
             <a:r>
               <a:rPr lang="en-US" sz="2000" dirty="0"/>
-              <a:t>The following analysis was drawn from 8 different Excel files, which contained different datasets regarding films’ budgets, gross profits, popularity and more.</a:t>
+              <a:t>The following analysis was drawn from 8 different Excel files, which contained different datasets regarding films’ budgets, gross profits, popularity and more. The sources for these datasets include IMDB, The Movie Database and Box Office Mojo.</a:t>
             </a:r>
           </a:p>
           <a:p>
@@ -3170,7 +3948,7 @@
             </a:pPr>
             <a:r>
               <a:rPr lang="en-US" sz="2000" dirty="0"/>
-              <a:t>For this analysis, the visualizations and calculations were executed using multiple Python libraries. These include Pandas, NumPy, and </a:t>
+              <a:t>For this analysis, visualizations and calculations were executed using multiple Python libraries. These include Pandas, NumPy, and </a:t>
             </a:r>
             <a:r>
               <a:rPr lang="en-US" sz="2000" dirty="0" err="1"/>
@@ -3258,26 +4036,78 @@
       </p:sp>
       <p:sp>
         <p:nvSpPr>
-          <p:cNvPr id="3" name="Content Placeholder 2">
+          <p:cNvPr id="5" name="TextBox 4">
             <a:extLst>
               <a:ext uri="{FF2B5EF4-FFF2-40B4-BE49-F238E27FC236}">
-                <a16:creationId xmlns:a16="http://schemas.microsoft.com/office/drawing/2014/main" id="{60788684-69CE-9446-8F0F-1290C13A6B99}"/>
+                <a16:creationId xmlns:a16="http://schemas.microsoft.com/office/drawing/2014/main" id="{7BE26EEB-4E29-3749-9C4A-60AE4F345373}"/>
               </a:ext>
             </a:extLst>
           </p:cNvPr>
-          <p:cNvSpPr>
-            <a:spLocks noGrp="1"/>
-          </p:cNvSpPr>
-          <p:nvPr>
-            <p:ph idx="1"/>
-          </p:nvPr>
-        </p:nvSpPr>
-        <p:spPr/>
-        <p:txBody>
-          <a:bodyPr/>
-          <a:lstStyle/>
-          <a:p>
-            <a:endParaRPr lang="en-US"/>
+          <p:cNvSpPr txBox="1"/>
+          <p:nvPr/>
+        </p:nvSpPr>
+        <p:spPr>
+          <a:xfrm>
+            <a:off x="628650" y="1690689"/>
+            <a:ext cx="7023652" cy="3693319"/>
+          </a:xfrm>
+          <a:prstGeom prst="rect">
+            <a:avLst/>
+          </a:prstGeom>
+          <a:noFill/>
+        </p:spPr>
+        <p:txBody>
+          <a:bodyPr wrap="square" rtlCol="0">
+            <a:spAutoFit/>
+          </a:bodyPr>
+          <a:lstStyle/>
+          <a:p>
+            <a:r>
+              <a:rPr lang="en-US" b="1" dirty="0"/>
+              <a:t>Prompt: </a:t>
+            </a:r>
+            <a:r>
+              <a:rPr lang="en-US" dirty="0"/>
+              <a:t>Microsoft sees all the big companies creating original video content, and they want to get in on the fun. They have decided to create a new movie studio, but </a:t>
+            </a:r>
+            <a:r>
+              <a:rPr lang="en-US" u="sng" dirty="0">
+                <a:solidFill>
+                  <a:srgbClr val="0070C0"/>
+                </a:solidFill>
+              </a:rPr>
+              <a:t>the problem is they don’t know anything about creating movies</a:t>
+            </a:r>
+            <a:r>
+              <a:rPr lang="en-US" dirty="0">
+                <a:solidFill>
+                  <a:srgbClr val="0070C0"/>
+                </a:solidFill>
+              </a:rPr>
+              <a:t>. </a:t>
+            </a:r>
+          </a:p>
+          <a:p>
+            <a:endParaRPr lang="en-US" dirty="0"/>
+          </a:p>
+          <a:p>
+            <a:r>
+              <a:rPr lang="en-US" dirty="0"/>
+              <a:t>They have hired you to help them better understand the movie industry. Your team is charged with doing data analysis and creating a presentation that explores what type of films are currently doing the best at the box office. </a:t>
+            </a:r>
+          </a:p>
+          <a:p>
+            <a:endParaRPr lang="en-US" dirty="0"/>
+          </a:p>
+          <a:p>
+            <a:r>
+              <a:rPr lang="en-US" dirty="0"/>
+              <a:t>You must then translate those findings into actionable insights that the CEO can use when deciding what type of films they should be creating.</a:t>
+            </a:r>
+            <a:endParaRPr lang="en-US" sz="2000" dirty="0"/>
+          </a:p>
+          <a:p>
+            <a:endParaRPr lang="en-US" dirty="0"/>
           </a:p>
         </p:txBody>
       </p:sp>
@@ -3334,40 +4164,75 @@
           <a:p>
             <a:r>
               <a:rPr lang="en-US" dirty="0"/>
-              <a:t>What are the most popular films?</a:t>
-            </a:r>
-          </a:p>
-        </p:txBody>
-      </p:sp>
-      <p:sp>
-        <p:nvSpPr>
-          <p:cNvPr id="3" name="Content Placeholder 2">
+              <a:t>Table of Contents</a:t>
+            </a:r>
+          </a:p>
+        </p:txBody>
+      </p:sp>
+      <p:sp>
+        <p:nvSpPr>
+          <p:cNvPr id="5" name="TextBox 4">
             <a:extLst>
               <a:ext uri="{FF2B5EF4-FFF2-40B4-BE49-F238E27FC236}">
-                <a16:creationId xmlns:a16="http://schemas.microsoft.com/office/drawing/2014/main" id="{60788684-69CE-9446-8F0F-1290C13A6B99}"/>
+                <a16:creationId xmlns:a16="http://schemas.microsoft.com/office/drawing/2014/main" id="{7BE26EEB-4E29-3749-9C4A-60AE4F345373}"/>
               </a:ext>
             </a:extLst>
           </p:cNvPr>
-          <p:cNvSpPr>
-            <a:spLocks noGrp="1"/>
-          </p:cNvSpPr>
-          <p:nvPr>
-            <p:ph idx="1"/>
-          </p:nvPr>
-        </p:nvSpPr>
-        <p:spPr/>
-        <p:txBody>
-          <a:bodyPr/>
-          <a:lstStyle/>
-          <a:p>
-            <a:endParaRPr lang="en-US"/>
+          <p:cNvSpPr txBox="1"/>
+          <p:nvPr/>
+        </p:nvSpPr>
+        <p:spPr>
+          <a:xfrm>
+            <a:off x="628650" y="1831365"/>
+            <a:ext cx="7023652" cy="2677656"/>
+          </a:xfrm>
+          <a:prstGeom prst="rect">
+            <a:avLst/>
+          </a:prstGeom>
+          <a:noFill/>
+        </p:spPr>
+        <p:txBody>
+          <a:bodyPr wrap="square" rtlCol="0">
+            <a:spAutoFit/>
+          </a:bodyPr>
+          <a:lstStyle/>
+          <a:p>
+            <a:r>
+              <a:rPr lang="en-US" sz="2400" b="1" dirty="0"/>
+              <a:t>1) What are the most popular films?</a:t>
+            </a:r>
+            <a:endParaRPr lang="en-US" sz="2400" dirty="0"/>
+          </a:p>
+          <a:p>
+            <a:endParaRPr lang="en-US" sz="2400" dirty="0"/>
+          </a:p>
+          <a:p>
+            <a:endParaRPr lang="en-US" sz="2400" dirty="0"/>
+          </a:p>
+          <a:p>
+            <a:r>
+              <a:rPr lang="en-US" sz="2400" b="1" dirty="0"/>
+              <a:t>2) What are the most lucrative films?</a:t>
+            </a:r>
+          </a:p>
+          <a:p>
+            <a:endParaRPr lang="en-US" sz="2400" dirty="0"/>
+          </a:p>
+          <a:p>
+            <a:endParaRPr lang="en-US" sz="2400" dirty="0"/>
+          </a:p>
+          <a:p>
+            <a:r>
+              <a:rPr lang="en-US" sz="2400" b="1" dirty="0"/>
+              <a:t>3) What are the most expensive films?</a:t>
+            </a:r>
           </a:p>
         </p:txBody>
       </p:sp>
     </p:spTree>
     <p:extLst>
       <p:ext uri="{BB962C8B-B14F-4D97-AF65-F5344CB8AC3E}">
-        <p14:creationId xmlns:p14="http://schemas.microsoft.com/office/powerpoint/2010/main" val="4058587778"/>
+        <p14:creationId xmlns:p14="http://schemas.microsoft.com/office/powerpoint/2010/main" val="3343371438"/>
       </p:ext>
     </p:extLst>
   </p:cSld>
@@ -3417,7 +4282,7 @@
           <a:p>
             <a:r>
               <a:rPr lang="en-US" dirty="0"/>
-              <a:t>What are the most lucrative films?</a:t>
+              <a:t>What are the most popular films?</a:t>
             </a:r>
           </a:p>
         </p:txBody>
@@ -3443,14 +4308,14 @@
           <a:bodyPr/>
           <a:lstStyle/>
           <a:p>
-            <a:endParaRPr lang="en-US"/>
+            <a:endParaRPr lang="en-US" dirty="0"/>
           </a:p>
         </p:txBody>
       </p:sp>
     </p:spTree>
     <p:extLst>
       <p:ext uri="{BB962C8B-B14F-4D97-AF65-F5344CB8AC3E}">
-        <p14:creationId xmlns:p14="http://schemas.microsoft.com/office/powerpoint/2010/main" val="4270431863"/>
+        <p14:creationId xmlns:p14="http://schemas.microsoft.com/office/powerpoint/2010/main" val="4058587778"/>
       </p:ext>
     </p:extLst>
   </p:cSld>
@@ -3500,7 +4365,7 @@
           <a:p>
             <a:r>
               <a:rPr lang="en-US" dirty="0"/>
-              <a:t>What are the most expensive films?</a:t>
+              <a:t>What are the most lucrative films?</a:t>
             </a:r>
           </a:p>
         </p:txBody>
@@ -3526,14 +4391,14 @@
           <a:bodyPr/>
           <a:lstStyle/>
           <a:p>
-            <a:endParaRPr lang="en-US" dirty="0"/>
+            <a:endParaRPr lang="en-US"/>
           </a:p>
         </p:txBody>
       </p:sp>
     </p:spTree>
     <p:extLst>
       <p:ext uri="{BB962C8B-B14F-4D97-AF65-F5344CB8AC3E}">
-        <p14:creationId xmlns:p14="http://schemas.microsoft.com/office/powerpoint/2010/main" val="1021800676"/>
+        <p14:creationId xmlns:p14="http://schemas.microsoft.com/office/powerpoint/2010/main" val="4270431863"/>
       </p:ext>
     </p:extLst>
   </p:cSld>
@@ -3583,7 +4448,7 @@
           <a:p>
             <a:r>
               <a:rPr lang="en-US" dirty="0"/>
-              <a:t>Recommendations</a:t>
+              <a:t>What are the most expensive films?</a:t>
             </a:r>
           </a:p>
         </p:txBody>
@@ -3609,14 +4474,14 @@
           <a:bodyPr/>
           <a:lstStyle/>
           <a:p>
-            <a:endParaRPr lang="en-US"/>
+            <a:endParaRPr lang="en-US" dirty="0"/>
           </a:p>
         </p:txBody>
       </p:sp>
     </p:spTree>
     <p:extLst>
       <p:ext uri="{BB962C8B-B14F-4D97-AF65-F5344CB8AC3E}">
-        <p14:creationId xmlns:p14="http://schemas.microsoft.com/office/powerpoint/2010/main" val="904231667"/>
+        <p14:creationId xmlns:p14="http://schemas.microsoft.com/office/powerpoint/2010/main" val="1021800676"/>
       </p:ext>
     </p:extLst>
   </p:cSld>
@@ -3645,44 +4510,107 @@
       </p:grpSpPr>
       <p:sp>
         <p:nvSpPr>
-          <p:cNvPr id="6" name="TextBox 5">
+          <p:cNvPr id="2" name="Title 1">
             <a:extLst>
               <a:ext uri="{FF2B5EF4-FFF2-40B4-BE49-F238E27FC236}">
-                <a16:creationId xmlns:a16="http://schemas.microsoft.com/office/drawing/2014/main" id="{FEE1E8B8-EC92-7F47-A896-192BB0B85648}"/>
+                <a16:creationId xmlns:a16="http://schemas.microsoft.com/office/drawing/2014/main" id="{2046E2A8-D1FA-1D48-8570-B9D2B4F1ECCD}"/>
               </a:ext>
             </a:extLst>
           </p:cNvPr>
-          <p:cNvSpPr txBox="1"/>
-          <p:nvPr/>
+          <p:cNvSpPr>
+            <a:spLocks noGrp="1"/>
+          </p:cNvSpPr>
+          <p:nvPr>
+            <p:ph type="title"/>
+          </p:nvPr>
+        </p:nvSpPr>
+        <p:spPr/>
+        <p:txBody>
+          <a:bodyPr/>
+          <a:lstStyle/>
+          <a:p>
+            <a:r>
+              <a:rPr lang="en-US" dirty="0"/>
+              <a:t>Conclusion</a:t>
+            </a:r>
+          </a:p>
+        </p:txBody>
+      </p:sp>
+      <p:sp>
+        <p:nvSpPr>
+          <p:cNvPr id="3" name="Content Placeholder 2">
+            <a:extLst>
+              <a:ext uri="{FF2B5EF4-FFF2-40B4-BE49-F238E27FC236}">
+                <a16:creationId xmlns:a16="http://schemas.microsoft.com/office/drawing/2014/main" id="{60788684-69CE-9446-8F0F-1290C13A6B99}"/>
+              </a:ext>
+            </a:extLst>
+          </p:cNvPr>
+          <p:cNvSpPr>
+            <a:spLocks noGrp="1"/>
+          </p:cNvSpPr>
+          <p:nvPr>
+            <p:ph idx="1"/>
+          </p:nvPr>
         </p:nvSpPr>
         <p:spPr>
           <a:xfrm>
-            <a:off x="2208144" y="2686472"/>
-            <a:ext cx="4727712" cy="1107996"/>
+            <a:off x="628650" y="1825625"/>
+            <a:ext cx="7886700" cy="3994883"/>
           </a:xfrm>
-          <a:prstGeom prst="rect">
-            <a:avLst/>
-          </a:prstGeom>
-          <a:noFill/>
         </p:spPr>
         <p:txBody>
-          <a:bodyPr wrap="square" rtlCol="0">
-            <a:spAutoFit/>
+          <a:bodyPr>
+            <a:normAutofit fontScale="85000" lnSpcReduction="20000"/>
           </a:bodyPr>
           <a:lstStyle/>
           <a:p>
-            <a:pPr algn="ctr"/>
-            <a:r>
-              <a:rPr lang="en-US" sz="6600" dirty="0"/>
-              <a:t>Thank You!!</a:t>
-            </a:r>
+            <a:r>
+              <a:rPr lang="en-US" dirty="0"/>
+              <a:t>Microsoft does not own the intellectual property for any of the major film series that consistently make a large profit</a:t>
+            </a:r>
+          </a:p>
+          <a:p>
+            <a:endParaRPr lang="en-US" dirty="0"/>
+          </a:p>
+          <a:p>
+            <a:r>
+              <a:rPr lang="en-US" dirty="0"/>
+              <a:t>It is extremely expensive to create a movie that can be reliably successful</a:t>
+            </a:r>
+          </a:p>
+          <a:p>
+            <a:endParaRPr lang="en-US" dirty="0"/>
+          </a:p>
+          <a:p>
+            <a:r>
+              <a:rPr lang="en-US" dirty="0"/>
+              <a:t>Despite having sufficient capital to make competitive films, there is a significant opportunity cost to moving in a new direction</a:t>
+            </a:r>
+          </a:p>
+          <a:p>
+            <a:pPr marL="0" indent="0">
+              <a:buNone/>
+            </a:pPr>
+            <a:endParaRPr lang="en-US" dirty="0"/>
+          </a:p>
+          <a:p>
+            <a:r>
+              <a:rPr lang="en-US" dirty="0"/>
+              <a:t>There is a low chance of Microsoft creating a successful film on their own</a:t>
+            </a:r>
+          </a:p>
+          <a:p>
+            <a:endParaRPr lang="en-US" dirty="0"/>
+          </a:p>
+          <a:p>
+            <a:endParaRPr lang="en-US" dirty="0"/>
           </a:p>
         </p:txBody>
       </p:sp>
     </p:spTree>
     <p:extLst>
       <p:ext uri="{BB962C8B-B14F-4D97-AF65-F5344CB8AC3E}">
-        <p14:creationId xmlns:p14="http://schemas.microsoft.com/office/powerpoint/2010/main" val="2038972123"/>
+        <p14:creationId xmlns:p14="http://schemas.microsoft.com/office/powerpoint/2010/main" val="411621456"/>
       </p:ext>
     </p:extLst>
   </p:cSld>
@@ -3714,7 +4642,7 @@
           <p:cNvPr id="2" name="Title 1">
             <a:extLst>
               <a:ext uri="{FF2B5EF4-FFF2-40B4-BE49-F238E27FC236}">
-                <a16:creationId xmlns:a16="http://schemas.microsoft.com/office/drawing/2014/main" id="{089195C1-7473-0141-A5DF-9758928671E1}"/>
+                <a16:creationId xmlns:a16="http://schemas.microsoft.com/office/drawing/2014/main" id="{2046E2A8-D1FA-1D48-8570-B9D2B4F1ECCD}"/>
               </a:ext>
             </a:extLst>
           </p:cNvPr>
@@ -3732,7 +4660,7 @@
           <a:p>
             <a:r>
               <a:rPr lang="en-US" dirty="0"/>
-              <a:t>Additional Resources</a:t>
+              <a:t>Recommendations</a:t>
             </a:r>
           </a:p>
         </p:txBody>
@@ -3742,7 +4670,7 @@
           <p:cNvPr id="3" name="Content Placeholder 2">
             <a:extLst>
               <a:ext uri="{FF2B5EF4-FFF2-40B4-BE49-F238E27FC236}">
-                <a16:creationId xmlns:a16="http://schemas.microsoft.com/office/drawing/2014/main" id="{861B0CCE-3644-F546-B6E1-F412405B0D18}"/>
+                <a16:creationId xmlns:a16="http://schemas.microsoft.com/office/drawing/2014/main" id="{60788684-69CE-9446-8F0F-1290C13A6B99}"/>
               </a:ext>
             </a:extLst>
           </p:cNvPr>
@@ -3753,65 +4681,65 @@
             <p:ph idx="1"/>
           </p:nvPr>
         </p:nvSpPr>
-        <p:spPr>
-          <a:xfrm>
-            <a:off x="387212" y="1825625"/>
-            <a:ext cx="8369576" cy="4351338"/>
-          </a:xfrm>
-        </p:spPr>
-        <p:txBody>
-          <a:bodyPr/>
-          <a:lstStyle/>
-          <a:p>
-            <a:pPr marL="457200" indent="-457200">
-              <a:buAutoNum type="arabicParenR"/>
-            </a:pPr>
-            <a:r>
-              <a:rPr lang="en-US" sz="2000" dirty="0">
-                <a:hlinkClick r:id="rId2"/>
-              </a:rPr>
-              <a:t>https://www.digitalspy.com/movies/a870469/marvel-rights-characters-disney/</a:t>
-            </a:r>
-            <a:endParaRPr lang="en-US" sz="2000" dirty="0"/>
-          </a:p>
-          <a:p>
-            <a:pPr marL="457200" indent="-457200">
-              <a:buAutoNum type="arabicParenR"/>
-            </a:pPr>
-            <a:r>
-              <a:rPr lang="en-US" sz="2000" dirty="0" err="1"/>
-              <a:t>Zzzzzz</a:t>
-            </a:r>
-            <a:endParaRPr lang="en-US" sz="2000" dirty="0"/>
-          </a:p>
-          <a:p>
-            <a:pPr marL="457200" indent="-457200">
-              <a:buAutoNum type="arabicParenR"/>
-            </a:pPr>
-            <a:r>
-              <a:rPr lang="en-US" sz="2000" dirty="0" err="1"/>
-              <a:t>Xxxxxx</a:t>
-            </a:r>
-            <a:endParaRPr lang="en-US" sz="2000" dirty="0"/>
-          </a:p>
-          <a:p>
-            <a:pPr marL="457200" indent="-457200">
-              <a:buAutoNum type="arabicParenR"/>
-            </a:pPr>
-            <a:endParaRPr lang="en-US" sz="2000" dirty="0"/>
+        <p:spPr/>
+        <p:txBody>
+          <a:bodyPr>
+            <a:normAutofit fontScale="85000" lnSpcReduction="20000"/>
+          </a:bodyPr>
+          <a:lstStyle/>
+          <a:p>
+            <a:r>
+              <a:rPr lang="en-US" dirty="0"/>
+              <a:t>I recommend that Microsoft does not get involved in creating new movie content, nor streaming because it is too expensive and risky to take the chance. </a:t>
+            </a:r>
           </a:p>
           <a:p>
             <a:pPr marL="0" indent="0">
               <a:buNone/>
             </a:pPr>
             <a:endParaRPr lang="en-US" dirty="0"/>
+          </a:p>
+          <a:p>
+            <a:r>
+              <a:rPr lang="en-US" dirty="0"/>
+              <a:t>Microsoft should continue spending capital on trying to improve their other services that are already dominant, such as GitHub, Windows, Teams, etc. </a:t>
+            </a:r>
+          </a:p>
+          <a:p>
+            <a:pPr marL="0" indent="0">
+              <a:buNone/>
+            </a:pPr>
+            <a:endParaRPr lang="en-US" dirty="0"/>
+          </a:p>
+          <a:p>
+            <a:pPr marL="0" indent="0">
+              <a:buNone/>
+            </a:pPr>
+            <a:r>
+              <a:rPr lang="en-US" b="1" dirty="0"/>
+              <a:t>Something worth considering</a:t>
+            </a:r>
+          </a:p>
+          <a:p>
+            <a:r>
+              <a:rPr lang="en-US" dirty="0"/>
+              <a:t>Roughly 50-60 million people own some kind of an Xbox device (original, 360, One, &amp; Series X). In this way, they are already in many peoples' </a:t>
+            </a:r>
+            <a:r>
+              <a:rPr lang="en-US" dirty="0" err="1"/>
+              <a:t>livingrooms</a:t>
+            </a:r>
+            <a:r>
+              <a:rPr lang="en-US" dirty="0"/>
+              <a:t>. As a result of this competitive advantage, there may be a lucrative solution for them.</a:t>
+            </a:r>
           </a:p>
         </p:txBody>
       </p:sp>
     </p:spTree>
     <p:extLst>
       <p:ext uri="{BB962C8B-B14F-4D97-AF65-F5344CB8AC3E}">
-        <p14:creationId xmlns:p14="http://schemas.microsoft.com/office/powerpoint/2010/main" val="4015684761"/>
+        <p14:creationId xmlns:p14="http://schemas.microsoft.com/office/powerpoint/2010/main" val="904231667"/>
       </p:ext>
     </p:extLst>
   </p:cSld>
@@ -4080,4 +5008,299 @@
     </a:ext>
   </a:extLst>
 </a:theme>
+</file>
+
+<file path=ppt/theme/theme2.xml><?xml version="1.0" encoding="utf-8"?>
+<a:theme xmlns:a="http://schemas.openxmlformats.org/drawingml/2006/main" name="Office Theme">
+  <a:themeElements>
+    <a:clrScheme name="Office">
+      <a:dk1>
+        <a:sysClr val="windowText" lastClr="000000"/>
+      </a:dk1>
+      <a:lt1>
+        <a:sysClr val="window" lastClr="FFFFFF"/>
+      </a:lt1>
+      <a:dk2>
+        <a:srgbClr val="44546A"/>
+      </a:dk2>
+      <a:lt2>
+        <a:srgbClr val="E7E6E6"/>
+      </a:lt2>
+      <a:accent1>
+        <a:srgbClr val="4472C4"/>
+      </a:accent1>
+      <a:accent2>
+        <a:srgbClr val="ED7D31"/>
+      </a:accent2>
+      <a:accent3>
+        <a:srgbClr val="A5A5A5"/>
+      </a:accent3>
+      <a:accent4>
+        <a:srgbClr val="FFC000"/>
+      </a:accent4>
+      <a:accent5>
+        <a:srgbClr val="5B9BD5"/>
+      </a:accent5>
+      <a:accent6>
+        <a:srgbClr val="70AD47"/>
+      </a:accent6>
+      <a:hlink>
+        <a:srgbClr val="0563C1"/>
+      </a:hlink>
+      <a:folHlink>
+        <a:srgbClr val="954F72"/>
+      </a:folHlink>
+    </a:clrScheme>
+    <a:fontScheme name="Office">
+      <a:majorFont>
+        <a:latin typeface="Calibri Light" panose="020F0302020204030204"/>
+        <a:ea typeface=""/>
+        <a:cs typeface=""/>
+        <a:font script="Jpan" typeface="游ゴシック Light"/>
+        <a:font script="Hang" typeface="맑은 고딕"/>
+        <a:font script="Hans" typeface="等线 Light"/>
+        <a:font script="Hant" typeface="新細明體"/>
+        <a:font script="Arab" typeface="Times New Roman"/>
+        <a:font script="Hebr" typeface="Times New Roman"/>
+        <a:font script="Thai" typeface="Angsana New"/>
+        <a:font script="Ethi" typeface="Nyala"/>
+        <a:font script="Beng" typeface="Vrinda"/>
+        <a:font script="Gujr" typeface="Shruti"/>
+        <a:font script="Khmr" typeface="MoolBoran"/>
+        <a:font script="Knda" typeface="Tunga"/>
+        <a:font script="Guru" typeface="Raavi"/>
+        <a:font script="Cans" typeface="Euphemia"/>
+        <a:font script="Cher" typeface="Plantagenet Cherokee"/>
+        <a:font script="Yiii" typeface="Microsoft Yi Baiti"/>
+        <a:font script="Tibt" typeface="Microsoft Himalaya"/>
+        <a:font script="Thaa" typeface="MV Boli"/>
+        <a:font script="Deva" typeface="Mangal"/>
+        <a:font script="Telu" typeface="Gautami"/>
+        <a:font script="Taml" typeface="Latha"/>
+        <a:font script="Syrc" typeface="Estrangelo Edessa"/>
+        <a:font script="Orya" typeface="Kalinga"/>
+        <a:font script="Mlym" typeface="Kartika"/>
+        <a:font script="Laoo" typeface="DokChampa"/>
+        <a:font script="Sinh" typeface="Iskoola Pota"/>
+        <a:font script="Mong" typeface="Mongolian Baiti"/>
+        <a:font script="Viet" typeface="Times New Roman"/>
+        <a:font script="Uigh" typeface="Microsoft Uighur"/>
+        <a:font script="Geor" typeface="Sylfaen"/>
+        <a:font script="Armn" typeface="Arial"/>
+        <a:font script="Bugi" typeface="Leelawadee UI"/>
+        <a:font script="Bopo" typeface="Microsoft JhengHei"/>
+        <a:font script="Java" typeface="Javanese Text"/>
+        <a:font script="Lisu" typeface="Segoe UI"/>
+        <a:font script="Mymr" typeface="Myanmar Text"/>
+        <a:font script="Nkoo" typeface="Ebrima"/>
+        <a:font script="Olck" typeface="Nirmala UI"/>
+        <a:font script="Osma" typeface="Ebrima"/>
+        <a:font script="Phag" typeface="Phagspa"/>
+        <a:font script="Syrn" typeface="Estrangelo Edessa"/>
+        <a:font script="Syrj" typeface="Estrangelo Edessa"/>
+        <a:font script="Syre" typeface="Estrangelo Edessa"/>
+        <a:font script="Sora" typeface="Nirmala UI"/>
+        <a:font script="Tale" typeface="Microsoft Tai Le"/>
+        <a:font script="Talu" typeface="Microsoft New Tai Lue"/>
+        <a:font script="Tfng" typeface="Ebrima"/>
+      </a:majorFont>
+      <a:minorFont>
+        <a:latin typeface="Calibri" panose="020F0502020204030204"/>
+        <a:ea typeface=""/>
+        <a:cs typeface=""/>
+        <a:font script="Jpan" typeface="游ゴシック"/>
+        <a:font script="Hang" typeface="맑은 고딕"/>
+        <a:font script="Hans" typeface="等线"/>
+        <a:font script="Hant" typeface="新細明體"/>
+        <a:font script="Arab" typeface="Arial"/>
+        <a:font script="Hebr" typeface="Arial"/>
+        <a:font script="Thai" typeface="Cordia New"/>
+        <a:font script="Ethi" typeface="Nyala"/>
+        <a:font script="Beng" typeface="Vrinda"/>
+        <a:font script="Gujr" typeface="Shruti"/>
+        <a:font script="Khmr" typeface="DaunPenh"/>
+        <a:font script="Knda" typeface="Tunga"/>
+        <a:font script="Guru" typeface="Raavi"/>
+        <a:font script="Cans" typeface="Euphemia"/>
+        <a:font script="Cher" typeface="Plantagenet Cherokee"/>
+        <a:font script="Yiii" typeface="Microsoft Yi Baiti"/>
+        <a:font script="Tibt" typeface="Microsoft Himalaya"/>
+        <a:font script="Thaa" typeface="MV Boli"/>
+        <a:font script="Deva" typeface="Mangal"/>
+        <a:font script="Telu" typeface="Gautami"/>
+        <a:font script="Taml" typeface="Latha"/>
+        <a:font script="Syrc" typeface="Estrangelo Edessa"/>
+        <a:font script="Orya" typeface="Kalinga"/>
+        <a:font script="Mlym" typeface="Kartika"/>
+        <a:font script="Laoo" typeface="DokChampa"/>
+        <a:font script="Sinh" typeface="Iskoola Pota"/>
+        <a:font script="Mong" typeface="Mongolian Baiti"/>
+        <a:font script="Viet" typeface="Arial"/>
+        <a:font script="Uigh" typeface="Microsoft Uighur"/>
+        <a:font script="Geor" typeface="Sylfaen"/>
+        <a:font script="Armn" typeface="Arial"/>
+        <a:font script="Bugi" typeface="Leelawadee UI"/>
+        <a:font script="Bopo" typeface="Microsoft JhengHei"/>
+        <a:font script="Java" typeface="Javanese Text"/>
+        <a:font script="Lisu" typeface="Segoe UI"/>
+        <a:font script="Mymr" typeface="Myanmar Text"/>
+        <a:font script="Nkoo" typeface="Ebrima"/>
+        <a:font script="Olck" typeface="Nirmala UI"/>
+        <a:font script="Osma" typeface="Ebrima"/>
+        <a:font script="Phag" typeface="Phagspa"/>
+        <a:font script="Syrn" typeface="Estrangelo Edessa"/>
+        <a:font script="Syrj" typeface="Estrangelo Edessa"/>
+        <a:font script="Syre" typeface="Estrangelo Edessa"/>
+        <a:font script="Sora" typeface="Nirmala UI"/>
+        <a:font script="Tale" typeface="Microsoft Tai Le"/>
+        <a:font script="Talu" typeface="Microsoft New Tai Lue"/>
+        <a:font script="Tfng" typeface="Ebrima"/>
+      </a:minorFont>
+    </a:fontScheme>
+    <a:fmtScheme name="Office">
+      <a:fillStyleLst>
+        <a:solidFill>
+          <a:schemeClr val="phClr"/>
+        </a:solidFill>
+        <a:gradFill rotWithShape="1">
+          <a:gsLst>
+            <a:gs pos="0">
+              <a:schemeClr val="phClr">
+                <a:lumMod val="110000"/>
+                <a:satMod val="105000"/>
+                <a:tint val="67000"/>
+              </a:schemeClr>
+            </a:gs>
+            <a:gs pos="50000">
+              <a:schemeClr val="phClr">
+                <a:lumMod val="105000"/>
+                <a:satMod val="103000"/>
+                <a:tint val="73000"/>
+              </a:schemeClr>
+            </a:gs>
+            <a:gs pos="100000">
+              <a:schemeClr val="phClr">
+                <a:lumMod val="105000"/>
+                <a:satMod val="109000"/>
+                <a:tint val="81000"/>
+              </a:schemeClr>
+            </a:gs>
+          </a:gsLst>
+          <a:lin ang="5400000" scaled="0"/>
+        </a:gradFill>
+        <a:gradFill rotWithShape="1">
+          <a:gsLst>
+            <a:gs pos="0">
+              <a:schemeClr val="phClr">
+                <a:satMod val="103000"/>
+                <a:lumMod val="102000"/>
+                <a:tint val="94000"/>
+              </a:schemeClr>
+            </a:gs>
+            <a:gs pos="50000">
+              <a:schemeClr val="phClr">
+                <a:satMod val="110000"/>
+                <a:lumMod val="100000"/>
+                <a:shade val="100000"/>
+              </a:schemeClr>
+            </a:gs>
+            <a:gs pos="100000">
+              <a:schemeClr val="phClr">
+                <a:lumMod val="99000"/>
+                <a:satMod val="120000"/>
+                <a:shade val="78000"/>
+              </a:schemeClr>
+            </a:gs>
+          </a:gsLst>
+          <a:lin ang="5400000" scaled="0"/>
+        </a:gradFill>
+      </a:fillStyleLst>
+      <a:lnStyleLst>
+        <a:ln w="6350" cap="flat" cmpd="sng" algn="ctr">
+          <a:solidFill>
+            <a:schemeClr val="phClr"/>
+          </a:solidFill>
+          <a:prstDash val="solid"/>
+          <a:miter lim="800000"/>
+        </a:ln>
+        <a:ln w="12700" cap="flat" cmpd="sng" algn="ctr">
+          <a:solidFill>
+            <a:schemeClr val="phClr"/>
+          </a:solidFill>
+          <a:prstDash val="solid"/>
+          <a:miter lim="800000"/>
+        </a:ln>
+        <a:ln w="19050" cap="flat" cmpd="sng" algn="ctr">
+          <a:solidFill>
+            <a:schemeClr val="phClr"/>
+          </a:solidFill>
+          <a:prstDash val="solid"/>
+          <a:miter lim="800000"/>
+        </a:ln>
+      </a:lnStyleLst>
+      <a:effectStyleLst>
+        <a:effectStyle>
+          <a:effectLst/>
+        </a:effectStyle>
+        <a:effectStyle>
+          <a:effectLst/>
+        </a:effectStyle>
+        <a:effectStyle>
+          <a:effectLst>
+            <a:outerShdw blurRad="57150" dist="19050" dir="5400000" algn="ctr" rotWithShape="0">
+              <a:srgbClr val="000000">
+                <a:alpha val="63000"/>
+              </a:srgbClr>
+            </a:outerShdw>
+          </a:effectLst>
+        </a:effectStyle>
+      </a:effectStyleLst>
+      <a:bgFillStyleLst>
+        <a:solidFill>
+          <a:schemeClr val="phClr"/>
+        </a:solidFill>
+        <a:solidFill>
+          <a:schemeClr val="phClr">
+            <a:tint val="95000"/>
+            <a:satMod val="170000"/>
+          </a:schemeClr>
+        </a:solidFill>
+        <a:gradFill rotWithShape="1">
+          <a:gsLst>
+            <a:gs pos="0">
+              <a:schemeClr val="phClr">
+                <a:tint val="93000"/>
+                <a:satMod val="150000"/>
+                <a:shade val="98000"/>
+                <a:lumMod val="102000"/>
+              </a:schemeClr>
+            </a:gs>
+            <a:gs pos="50000">
+              <a:schemeClr val="phClr">
+                <a:tint val="98000"/>
+                <a:satMod val="130000"/>
+                <a:shade val="90000"/>
+                <a:lumMod val="103000"/>
+              </a:schemeClr>
+            </a:gs>
+            <a:gs pos="100000">
+              <a:schemeClr val="phClr">
+                <a:shade val="63000"/>
+                <a:satMod val="120000"/>
+              </a:schemeClr>
+            </a:gs>
+          </a:gsLst>
+          <a:lin ang="5400000" scaled="0"/>
+        </a:gradFill>
+      </a:bgFillStyleLst>
+    </a:fmtScheme>
+  </a:themeElements>
+  <a:objectDefaults/>
+  <a:extraClrSchemeLst/>
+  <a:extLst>
+    <a:ext uri="{05A4C25C-085E-4340-85A3-A5531E510DB2}">
+      <thm15:themeFamily xmlns:thm15="http://schemas.microsoft.com/office/thememl/2012/main" name="Office Theme" id="{62F939B6-93AF-4DB8-9C6B-D6C7DFDC589F}" vid="{4A3C46E8-61CC-4603-A589-7422A47A8E4A}"/>
+    </a:ext>
+  </a:extLst>
+</a:theme>
 </file>
--- a/Presentation.pptx
+++ b/Presentation.pptx
@@ -125,6 +125,12 @@
 </p:presentation>
 </file>
 
+<file path=ppt/commentAuthors.xml><?xml version="1.0" encoding="utf-8"?>
+<p:cmAuthorLst xmlns:a="http://schemas.openxmlformats.org/drawingml/2006/main" xmlns:r="http://schemas.openxmlformats.org/officeDocument/2006/relationships" xmlns:p="http://schemas.openxmlformats.org/presentationml/2006/main">
+  <p:cmAuthor id="1" name="Dan Kagan" initials="DK" lastIdx="1" clrIdx="0"/>
+</p:cmAuthorLst>
+</file>
+
 <file path=ppt/notesMasters/notesMaster1.xml><?xml version="1.0" encoding="utf-8"?>
 <p:notesMaster xmlns:a="http://schemas.openxmlformats.org/drawingml/2006/main" xmlns:r="http://schemas.openxmlformats.org/officeDocument/2006/relationships" xmlns:p="http://schemas.openxmlformats.org/presentationml/2006/main">
   <p:cSld>
@@ -539,7 +545,7 @@
           <a:p>
             <a:fld id="{C22212BE-518B-F647-A2C8-3E2CB39BC2C6}" type="slidenum">
               <a:rPr lang="en-US" smtClean="0"/>
-              <a:t>8</a:t>
+              <a:t>4</a:t>
             </a:fld>
             <a:endParaRPr lang="en-US"/>
           </a:p>
@@ -548,7 +554,7 @@
     </p:spTree>
     <p:extLst>
       <p:ext uri="{BB962C8B-B14F-4D97-AF65-F5344CB8AC3E}">
-        <p14:creationId xmlns:p14="http://schemas.microsoft.com/office/powerpoint/2010/main" val="1835484374"/>
+        <p14:creationId xmlns:p14="http://schemas.microsoft.com/office/powerpoint/2010/main" val="3625295608"/>
       </p:ext>
     </p:extLst>
   </p:cSld>
@@ -602,6 +608,261 @@
           <a:bodyPr/>
           <a:lstStyle/>
           <a:p>
+            <a:r>
+              <a:rPr lang="en-US" dirty="0"/>
+              <a:t>Unfortunately, Microsoft is late to this strategy and would thus have to be creative about how they could participate in creating these movies when Marvel Comic Universe, Sony, Universal and Disney all own the vast majority of intellectual property rights for these film series.</a:t>
+            </a:r>
+          </a:p>
+        </p:txBody>
+      </p:sp>
+      <p:sp>
+        <p:nvSpPr>
+          <p:cNvPr id="4" name="Slide Number Placeholder 3"/>
+          <p:cNvSpPr>
+            <a:spLocks noGrp="1"/>
+          </p:cNvSpPr>
+          <p:nvPr>
+            <p:ph type="sldNum" sz="quarter" idx="5"/>
+          </p:nvPr>
+        </p:nvSpPr>
+        <p:spPr/>
+        <p:txBody>
+          <a:bodyPr/>
+          <a:lstStyle/>
+          <a:p>
+            <a:fld id="{C22212BE-518B-F647-A2C8-3E2CB39BC2C6}" type="slidenum">
+              <a:rPr lang="en-US" smtClean="0"/>
+              <a:t>5</a:t>
+            </a:fld>
+            <a:endParaRPr lang="en-US"/>
+          </a:p>
+        </p:txBody>
+      </p:sp>
+    </p:spTree>
+    <p:extLst>
+      <p:ext uri="{BB962C8B-B14F-4D97-AF65-F5344CB8AC3E}">
+        <p14:creationId xmlns:p14="http://schemas.microsoft.com/office/powerpoint/2010/main" val="879173674"/>
+      </p:ext>
+    </p:extLst>
+  </p:cSld>
+  <p:clrMapOvr>
+    <a:masterClrMapping/>
+  </p:clrMapOvr>
+</p:notes>
+</file>
+
+<file path=ppt/notesSlides/notesSlide3.xml><?xml version="1.0" encoding="utf-8"?>
+<p:notes xmlns:a="http://schemas.openxmlformats.org/drawingml/2006/main" xmlns:r="http://schemas.openxmlformats.org/officeDocument/2006/relationships" xmlns:p="http://schemas.openxmlformats.org/presentationml/2006/main">
+  <p:cSld>
+    <p:spTree>
+      <p:nvGrpSpPr>
+        <p:cNvPr id="1" name=""/>
+        <p:cNvGrpSpPr/>
+        <p:nvPr/>
+      </p:nvGrpSpPr>
+      <p:grpSpPr>
+        <a:xfrm>
+          <a:off x="0" y="0"/>
+          <a:ext cx="0" cy="0"/>
+          <a:chOff x="0" y="0"/>
+          <a:chExt cx="0" cy="0"/>
+        </a:xfrm>
+      </p:grpSpPr>
+      <p:sp>
+        <p:nvSpPr>
+          <p:cNvPr id="2" name="Slide Image Placeholder 1"/>
+          <p:cNvSpPr>
+            <a:spLocks noGrp="1" noRot="1" noChangeAspect="1"/>
+          </p:cNvSpPr>
+          <p:nvPr>
+            <p:ph type="sldImg"/>
+          </p:nvPr>
+        </p:nvSpPr>
+        <p:spPr/>
+      </p:sp>
+      <p:sp>
+        <p:nvSpPr>
+          <p:cNvPr id="3" name="Notes Placeholder 2"/>
+          <p:cNvSpPr>
+            <a:spLocks noGrp="1"/>
+          </p:cNvSpPr>
+          <p:nvPr>
+            <p:ph type="body" idx="1"/>
+          </p:nvPr>
+        </p:nvSpPr>
+        <p:spPr/>
+        <p:txBody>
+          <a:bodyPr/>
+          <a:lstStyle/>
+          <a:p>
+            <a:endParaRPr lang="en-US" dirty="0"/>
+          </a:p>
+        </p:txBody>
+      </p:sp>
+      <p:sp>
+        <p:nvSpPr>
+          <p:cNvPr id="4" name="Slide Number Placeholder 3"/>
+          <p:cNvSpPr>
+            <a:spLocks noGrp="1"/>
+          </p:cNvSpPr>
+          <p:nvPr>
+            <p:ph type="sldNum" sz="quarter" idx="5"/>
+          </p:nvPr>
+        </p:nvSpPr>
+        <p:spPr/>
+        <p:txBody>
+          <a:bodyPr/>
+          <a:lstStyle/>
+          <a:p>
+            <a:fld id="{C22212BE-518B-F647-A2C8-3E2CB39BC2C6}" type="slidenum">
+              <a:rPr lang="en-US" smtClean="0"/>
+              <a:t>7</a:t>
+            </a:fld>
+            <a:endParaRPr lang="en-US"/>
+          </a:p>
+        </p:txBody>
+      </p:sp>
+    </p:spTree>
+    <p:extLst>
+      <p:ext uri="{BB962C8B-B14F-4D97-AF65-F5344CB8AC3E}">
+        <p14:creationId xmlns:p14="http://schemas.microsoft.com/office/powerpoint/2010/main" val="2238947053"/>
+      </p:ext>
+    </p:extLst>
+  </p:cSld>
+  <p:clrMapOvr>
+    <a:masterClrMapping/>
+  </p:clrMapOvr>
+</p:notes>
+</file>
+
+<file path=ppt/notesSlides/notesSlide4.xml><?xml version="1.0" encoding="utf-8"?>
+<p:notes xmlns:a="http://schemas.openxmlformats.org/drawingml/2006/main" xmlns:r="http://schemas.openxmlformats.org/officeDocument/2006/relationships" xmlns:p="http://schemas.openxmlformats.org/presentationml/2006/main">
+  <p:cSld>
+    <p:spTree>
+      <p:nvGrpSpPr>
+        <p:cNvPr id="1" name=""/>
+        <p:cNvGrpSpPr/>
+        <p:nvPr/>
+      </p:nvGrpSpPr>
+      <p:grpSpPr>
+        <a:xfrm>
+          <a:off x="0" y="0"/>
+          <a:ext cx="0" cy="0"/>
+          <a:chOff x="0" y="0"/>
+          <a:chExt cx="0" cy="0"/>
+        </a:xfrm>
+      </p:grpSpPr>
+      <p:sp>
+        <p:nvSpPr>
+          <p:cNvPr id="2" name="Slide Image Placeholder 1"/>
+          <p:cNvSpPr>
+            <a:spLocks noGrp="1" noRot="1" noChangeAspect="1"/>
+          </p:cNvSpPr>
+          <p:nvPr>
+            <p:ph type="sldImg"/>
+          </p:nvPr>
+        </p:nvSpPr>
+        <p:spPr/>
+      </p:sp>
+      <p:sp>
+        <p:nvSpPr>
+          <p:cNvPr id="3" name="Notes Placeholder 2"/>
+          <p:cNvSpPr>
+            <a:spLocks noGrp="1"/>
+          </p:cNvSpPr>
+          <p:nvPr>
+            <p:ph type="body" idx="1"/>
+          </p:nvPr>
+        </p:nvSpPr>
+        <p:spPr/>
+        <p:txBody>
+          <a:bodyPr/>
+          <a:lstStyle/>
+          <a:p>
+            <a:endParaRPr lang="en-US" dirty="0"/>
+          </a:p>
+        </p:txBody>
+      </p:sp>
+      <p:sp>
+        <p:nvSpPr>
+          <p:cNvPr id="4" name="Slide Number Placeholder 3"/>
+          <p:cNvSpPr>
+            <a:spLocks noGrp="1"/>
+          </p:cNvSpPr>
+          <p:nvPr>
+            <p:ph type="sldNum" sz="quarter" idx="5"/>
+          </p:nvPr>
+        </p:nvSpPr>
+        <p:spPr/>
+        <p:txBody>
+          <a:bodyPr/>
+          <a:lstStyle/>
+          <a:p>
+            <a:fld id="{C22212BE-518B-F647-A2C8-3E2CB39BC2C6}" type="slidenum">
+              <a:rPr lang="en-US" smtClean="0"/>
+              <a:t>8</a:t>
+            </a:fld>
+            <a:endParaRPr lang="en-US"/>
+          </a:p>
+        </p:txBody>
+      </p:sp>
+    </p:spTree>
+    <p:extLst>
+      <p:ext uri="{BB962C8B-B14F-4D97-AF65-F5344CB8AC3E}">
+        <p14:creationId xmlns:p14="http://schemas.microsoft.com/office/powerpoint/2010/main" val="1835484374"/>
+      </p:ext>
+    </p:extLst>
+  </p:cSld>
+  <p:clrMapOvr>
+    <a:masterClrMapping/>
+  </p:clrMapOvr>
+</p:notes>
+</file>
+
+<file path=ppt/notesSlides/notesSlide5.xml><?xml version="1.0" encoding="utf-8"?>
+<p:notes xmlns:a="http://schemas.openxmlformats.org/drawingml/2006/main" xmlns:r="http://schemas.openxmlformats.org/officeDocument/2006/relationships" xmlns:p="http://schemas.openxmlformats.org/presentationml/2006/main">
+  <p:cSld>
+    <p:spTree>
+      <p:nvGrpSpPr>
+        <p:cNvPr id="1" name=""/>
+        <p:cNvGrpSpPr/>
+        <p:nvPr/>
+      </p:nvGrpSpPr>
+      <p:grpSpPr>
+        <a:xfrm>
+          <a:off x="0" y="0"/>
+          <a:ext cx="0" cy="0"/>
+          <a:chOff x="0" y="0"/>
+          <a:chExt cx="0" cy="0"/>
+        </a:xfrm>
+      </p:grpSpPr>
+      <p:sp>
+        <p:nvSpPr>
+          <p:cNvPr id="2" name="Slide Image Placeholder 1"/>
+          <p:cNvSpPr>
+            <a:spLocks noGrp="1" noRot="1" noChangeAspect="1"/>
+          </p:cNvSpPr>
+          <p:nvPr>
+            <p:ph type="sldImg"/>
+          </p:nvPr>
+        </p:nvSpPr>
+        <p:spPr/>
+      </p:sp>
+      <p:sp>
+        <p:nvSpPr>
+          <p:cNvPr id="3" name="Notes Placeholder 2"/>
+          <p:cNvSpPr>
+            <a:spLocks noGrp="1"/>
+          </p:cNvSpPr>
+          <p:nvPr>
+            <p:ph type="body" idx="1"/>
+          </p:nvPr>
+        </p:nvSpPr>
+        <p:spPr/>
+        <p:txBody>
+          <a:bodyPr/>
+          <a:lstStyle/>
+          <a:p>
             <a:pPr marL="0" marR="0" lvl="0" indent="0" algn="l" defTabSz="914400" rtl="0" eaLnBrk="1" fontAlgn="auto" latinLnBrk="0" hangingPunct="1">
               <a:lnSpc>
                 <a:spcPct val="100000"/>
@@ -621,15 +882,50 @@
             </a:pPr>
             <a:r>
               <a:rPr lang="en-US" dirty="0"/>
-              <a:t>Within the context of joining the film industry, I believe that Microsoft's most valuable asset is that roughly 50-60 million people own some kind of an Xbox device (original, 360, One, &amp; Series X). In this way, they are already in many peoples' </a:t>
-            </a:r>
-            <a:r>
-              <a:rPr lang="en-US" dirty="0" err="1"/>
-              <a:t>livingrooms</a:t>
-            </a:r>
+              <a:t>Within the context of joining the film industry, I believe that Microsoft's most valuable asset is that roughly 50-60 million people own some kind of an Xbox device (original, 360, One, &amp; Series X). In this way, they are already in many peoples' living rooms. As a result of this competitive advantage, there may be a lucrative solution for them, </a:t>
+            </a:r>
+          </a:p>
+          <a:p>
+            <a:pPr marL="0" marR="0" lvl="0" indent="0" algn="l" defTabSz="914400" rtl="0" eaLnBrk="1" fontAlgn="auto" latinLnBrk="0" hangingPunct="1">
+              <a:lnSpc>
+                <a:spcPct val="100000"/>
+              </a:lnSpc>
+              <a:spcBef>
+                <a:spcPts val="0"/>
+              </a:spcBef>
+              <a:spcAft>
+                <a:spcPts val="0"/>
+              </a:spcAft>
+              <a:buClrTx/>
+              <a:buSzTx/>
+              <a:buFontTx/>
+              <a:buNone/>
+              <a:tabLst/>
+              <a:defRPr/>
+            </a:pPr>
+            <a:endParaRPr lang="en-US" dirty="0"/>
+          </a:p>
+          <a:p>
+            <a:pPr marL="0" marR="0" lvl="0" indent="0" algn="l" defTabSz="914400" rtl="0" eaLnBrk="1" fontAlgn="auto" latinLnBrk="0" hangingPunct="1">
+              <a:lnSpc>
+                <a:spcPct val="100000"/>
+              </a:lnSpc>
+              <a:spcBef>
+                <a:spcPts val="0"/>
+              </a:spcBef>
+              <a:spcAft>
+                <a:spcPts val="0"/>
+              </a:spcAft>
+              <a:buClrTx/>
+              <a:buSzTx/>
+              <a:buFontTx/>
+              <a:buNone/>
+              <a:tabLst/>
+              <a:defRPr/>
+            </a:pPr>
             <a:r>
               <a:rPr lang="en-US" dirty="0"/>
-              <a:t>. As a result of this competitive advantage, there may be a lucrative solution for them, such as streaming, which seemingly has a smaller barrier to entry than filmmaking, but is still extremely competitive.</a:t>
+              <a:t>- Streaming, which seemingly has a smaller barrier to entry than filmmaking, but is still extremely competitive.</a:t>
             </a:r>
           </a:p>
           <a:p>
@@ -3818,8 +4114,10 @@
               <a:buAutoNum type="arabicParenR"/>
             </a:pPr>
             <a:r>
-              <a:rPr lang="en-US" sz="2000" dirty="0" err="1"/>
-              <a:t>Zzzzzz</a:t>
+              <a:rPr lang="en-US" sz="2000" dirty="0">
+                <a:hlinkClick r:id="rId3"/>
+              </a:rPr>
+              <a:t>https://www.statista.com/statistics/531063/xbox-live-mau-number/</a:t>
             </a:r>
             <a:endParaRPr lang="en-US" sz="2000" dirty="0"/>
           </a:p>
@@ -3827,16 +4125,48 @@
             <a:pPr marL="457200" indent="-457200">
               <a:buAutoNum type="arabicParenR"/>
             </a:pPr>
-            <a:r>
-              <a:rPr lang="en-US" sz="2000" dirty="0" err="1"/>
-              <a:t>Xxxxxx</a:t>
-            </a:r>
             <a:endParaRPr lang="en-US" sz="2000" dirty="0"/>
           </a:p>
           <a:p>
             <a:pPr marL="457200" indent="-457200">
               <a:buAutoNum type="arabicParenR"/>
             </a:pPr>
+            <a:r>
+              <a:rPr lang="en-US" sz="2000" dirty="0" err="1"/>
+              <a:t>tmdb.movies.csv</a:t>
+            </a:r>
+            <a:endParaRPr lang="en-US" sz="2000" dirty="0"/>
+          </a:p>
+          <a:p>
+            <a:pPr marL="457200" indent="-457200">
+              <a:buAutoNum type="arabicParenR"/>
+            </a:pPr>
+            <a:endParaRPr lang="en-US" sz="2000" dirty="0"/>
+          </a:p>
+          <a:p>
+            <a:pPr marL="457200" indent="-457200">
+              <a:buAutoNum type="arabicParenR"/>
+            </a:pPr>
+            <a:r>
+              <a:rPr lang="en-US" sz="2000" dirty="0" err="1"/>
+              <a:t>bom.movie_gross.csv</a:t>
+            </a:r>
+            <a:endParaRPr lang="en-US" sz="2000" dirty="0"/>
+          </a:p>
+          <a:p>
+            <a:pPr marL="457200" indent="-457200">
+              <a:buAutoNum type="arabicParenR"/>
+            </a:pPr>
+            <a:endParaRPr lang="en-US" sz="2000" dirty="0"/>
+          </a:p>
+          <a:p>
+            <a:pPr marL="457200" indent="-457200">
+              <a:buAutoNum type="arabicParenR"/>
+            </a:pPr>
+            <a:r>
+              <a:rPr lang="en-US" sz="2000" dirty="0" err="1"/>
+              <a:t>tn.movie_budgets.csv</a:t>
+            </a:r>
             <a:endParaRPr lang="en-US" sz="2000" dirty="0"/>
           </a:p>
           <a:p>
@@ -4101,8 +4431,12 @@
           </a:p>
           <a:p>
             <a:r>
+              <a:rPr lang="en-US" b="1" dirty="0"/>
+              <a:t>You must then translate those findings into actionable insights</a:t>
+            </a:r>
+            <a:r>
               <a:rPr lang="en-US" dirty="0"/>
-              <a:t>You must then translate those findings into actionable insights that the CEO can use when deciding what type of films they should be creating.</a:t>
+              <a:t> that the CEO can use when deciding what type of films they should be creating.</a:t>
             </a:r>
             <a:endParaRPr lang="en-US" sz="2000" dirty="0"/>
           </a:p>
@@ -4183,8 +4517,8 @@
         </p:nvSpPr>
         <p:spPr>
           <a:xfrm>
-            <a:off x="628650" y="1831365"/>
-            <a:ext cx="7023652" cy="2677656"/>
+            <a:off x="628650" y="1690689"/>
+            <a:ext cx="7023652" cy="4893647"/>
           </a:xfrm>
           <a:prstGeom prst="rect">
             <a:avLst/>
@@ -4225,6 +4559,30 @@
             <a:r>
               <a:rPr lang="en-US" sz="2400" b="1" dirty="0"/>
               <a:t>3) What are the most expensive films?</a:t>
+            </a:r>
+          </a:p>
+          <a:p>
+            <a:endParaRPr lang="en-US" sz="2400" b="1" dirty="0"/>
+          </a:p>
+          <a:p>
+            <a:endParaRPr lang="en-US" sz="2400" b="1" dirty="0"/>
+          </a:p>
+          <a:p>
+            <a:r>
+              <a:rPr lang="en-US" sz="2400" b="1" dirty="0"/>
+              <a:t>4) Conclusion</a:t>
+            </a:r>
+          </a:p>
+          <a:p>
+            <a:endParaRPr lang="en-US" sz="2400" b="1" dirty="0"/>
+          </a:p>
+          <a:p>
+            <a:endParaRPr lang="en-US" sz="2400" b="1" dirty="0"/>
+          </a:p>
+          <a:p>
+            <a:r>
+              <a:rPr lang="en-US" sz="2400" b="1" dirty="0"/>
+              <a:t>5) Recommendations</a:t>
             </a:r>
           </a:p>
         </p:txBody>
@@ -4275,40 +4633,759 @@
             <p:ph type="title"/>
           </p:nvPr>
         </p:nvSpPr>
-        <p:spPr/>
-        <p:txBody>
-          <a:bodyPr/>
-          <a:lstStyle/>
-          <a:p>
-            <a:r>
-              <a:rPr lang="en-US" dirty="0"/>
+        <p:spPr>
+          <a:xfrm>
+            <a:off x="628650" y="365127"/>
+            <a:ext cx="7886700" cy="411488"/>
+          </a:xfrm>
+        </p:spPr>
+        <p:txBody>
+          <a:bodyPr>
+            <a:normAutofit fontScale="90000"/>
+          </a:bodyPr>
+          <a:lstStyle/>
+          <a:p>
+            <a:r>
+              <a:rPr lang="en-US" sz="3600" dirty="0"/>
               <a:t>What are the most popular films?</a:t>
             </a:r>
           </a:p>
         </p:txBody>
       </p:sp>
-      <p:sp>
-        <p:nvSpPr>
-          <p:cNvPr id="3" name="Content Placeholder 2">
+      <p:graphicFrame>
+        <p:nvGraphicFramePr>
+          <p:cNvPr id="5" name="Table 4">
             <a:extLst>
               <a:ext uri="{FF2B5EF4-FFF2-40B4-BE49-F238E27FC236}">
-                <a16:creationId xmlns:a16="http://schemas.microsoft.com/office/drawing/2014/main" id="{60788684-69CE-9446-8F0F-1290C13A6B99}"/>
+                <a16:creationId xmlns:a16="http://schemas.microsoft.com/office/drawing/2014/main" id="{F4E5EA65-2AC4-9B49-9177-AD86308EEEA7}"/>
               </a:ext>
             </a:extLst>
           </p:cNvPr>
-          <p:cNvSpPr>
-            <a:spLocks noGrp="1"/>
-          </p:cNvSpPr>
-          <p:nvPr>
-            <p:ph idx="1"/>
-          </p:nvPr>
-        </p:nvSpPr>
-        <p:spPr/>
-        <p:txBody>
-          <a:bodyPr/>
-          <a:lstStyle/>
-          <a:p>
-            <a:endParaRPr lang="en-US" dirty="0"/>
+          <p:cNvGraphicFramePr>
+            <a:graphicFrameLocks noGrp="1"/>
+          </p:cNvGraphicFramePr>
+          <p:nvPr>
+            <p:extLst>
+              <p:ext uri="{D42A27DB-BD31-4B8C-83A1-F6EECF244321}">
+                <p14:modId xmlns:p14="http://schemas.microsoft.com/office/powerpoint/2010/main" val="438010245"/>
+              </p:ext>
+            </p:extLst>
+          </p:nvPr>
+        </p:nvGraphicFramePr>
+        <p:xfrm>
+          <a:off x="5195655" y="1474586"/>
+          <a:ext cx="3632548" cy="4005225"/>
+        </p:xfrm>
+        <a:graphic>
+          <a:graphicData uri="http://schemas.openxmlformats.org/drawingml/2006/table">
+            <a:tbl>
+              <a:tblPr firstRow="1" bandRow="1">
+                <a:tableStyleId>{5C22544A-7EE6-4342-B048-85BDC9FD1C3A}</a:tableStyleId>
+              </a:tblPr>
+              <a:tblGrid>
+                <a:gridCol w="1816274">
+                  <a:extLst>
+                    <a:ext uri="{9D8B030D-6E8A-4147-A177-3AD203B41FA5}">
+                      <a16:colId xmlns:a16="http://schemas.microsoft.com/office/drawing/2014/main" val="687438356"/>
+                    </a:ext>
+                  </a:extLst>
+                </a:gridCol>
+                <a:gridCol w="1816274">
+                  <a:extLst>
+                    <a:ext uri="{9D8B030D-6E8A-4147-A177-3AD203B41FA5}">
+                      <a16:colId xmlns:a16="http://schemas.microsoft.com/office/drawing/2014/main" val="776632988"/>
+                    </a:ext>
+                  </a:extLst>
+                </a:gridCol>
+              </a:tblGrid>
+              <a:tr h="324249">
+                <a:tc>
+                  <a:txBody>
+                    <a:bodyPr/>
+                    <a:lstStyle/>
+                    <a:p>
+                      <a:pPr algn="ctr"/>
+                      <a:r>
+                        <a:rPr lang="en-US" sz="1600" dirty="0"/>
+                        <a:t>Film Title</a:t>
+                      </a:r>
+                    </a:p>
+                  </a:txBody>
+                  <a:tcPr/>
+                </a:tc>
+                <a:tc>
+                  <a:txBody>
+                    <a:bodyPr/>
+                    <a:lstStyle/>
+                    <a:p>
+                      <a:pPr algn="ctr"/>
+                      <a:r>
+                        <a:rPr lang="en-US" sz="1600" dirty="0"/>
+                        <a:t>Popularity Rating</a:t>
+                      </a:r>
+                    </a:p>
+                  </a:txBody>
+                  <a:tcPr/>
+                </a:tc>
+                <a:extLst>
+                  <a:ext uri="{0D108BD9-81ED-4DB2-BD59-A6C34878D82A}">
+                    <a16:rowId xmlns:a16="http://schemas.microsoft.com/office/drawing/2014/main" val="239519881"/>
+                  </a:ext>
+                </a:extLst>
+              </a:tr>
+              <a:tr h="297744">
+                <a:tc>
+                  <a:txBody>
+                    <a:bodyPr/>
+                    <a:lstStyle/>
+                    <a:p>
+                      <a:pPr algn="r" fontAlgn="b"/>
+                      <a:r>
+                        <a:rPr lang="en-US" sz="1400" b="1" i="0" u="none" strike="noStrike" dirty="0">
+                          <a:solidFill>
+                            <a:srgbClr val="000000"/>
+                          </a:solidFill>
+                          <a:effectLst/>
+                          <a:latin typeface="Calibri" panose="020F0502020204030204" pitchFamily="34" charset="0"/>
+                        </a:rPr>
+                        <a:t>Avengers: Infinity War</a:t>
+                      </a:r>
+                    </a:p>
+                  </a:txBody>
+                  <a:tcPr marL="9525" marR="9525" marT="9525" marB="0" anchor="b"/>
+                </a:tc>
+                <a:tc>
+                  <a:txBody>
+                    <a:bodyPr/>
+                    <a:lstStyle/>
+                    <a:p>
+                      <a:pPr algn="ctr" fontAlgn="b"/>
+                      <a:r>
+                        <a:rPr lang="en-US" sz="1400" b="1" i="0" u="none" strike="noStrike" dirty="0">
+                          <a:solidFill>
+                            <a:srgbClr val="000000"/>
+                          </a:solidFill>
+                          <a:effectLst/>
+                          <a:latin typeface="Calibri" panose="020F0502020204030204" pitchFamily="34" charset="0"/>
+                        </a:rPr>
+                        <a:t>80.7</a:t>
+                      </a:r>
+                    </a:p>
+                  </a:txBody>
+                  <a:tcPr marL="9525" marR="9525" marT="9525" marB="0" anchor="b"/>
+                </a:tc>
+                <a:extLst>
+                  <a:ext uri="{0D108BD9-81ED-4DB2-BD59-A6C34878D82A}">
+                    <a16:rowId xmlns:a16="http://schemas.microsoft.com/office/drawing/2014/main" val="2078908838"/>
+                  </a:ext>
+                </a:extLst>
+              </a:tr>
+              <a:tr h="297744">
+                <a:tc>
+                  <a:txBody>
+                    <a:bodyPr/>
+                    <a:lstStyle/>
+                    <a:p>
+                      <a:pPr algn="r" fontAlgn="b"/>
+                      <a:r>
+                        <a:rPr lang="en-US" sz="1400" b="1" i="0" u="none" strike="noStrike" dirty="0">
+                          <a:solidFill>
+                            <a:srgbClr val="000000"/>
+                          </a:solidFill>
+                          <a:effectLst/>
+                          <a:latin typeface="Calibri" panose="020F0502020204030204" pitchFamily="34" charset="0"/>
+                        </a:rPr>
+                        <a:t>John Wick</a:t>
+                      </a:r>
+                    </a:p>
+                  </a:txBody>
+                  <a:tcPr marL="9525" marR="9525" marT="9525" marB="0" anchor="b"/>
+                </a:tc>
+                <a:tc>
+                  <a:txBody>
+                    <a:bodyPr/>
+                    <a:lstStyle/>
+                    <a:p>
+                      <a:pPr algn="ctr" fontAlgn="b"/>
+                      <a:r>
+                        <a:rPr lang="en-US" sz="1400" b="1" i="0" u="none" strike="noStrike" dirty="0">
+                          <a:solidFill>
+                            <a:srgbClr val="000000"/>
+                          </a:solidFill>
+                          <a:effectLst/>
+                          <a:latin typeface="Calibri" panose="020F0502020204030204" pitchFamily="34" charset="0"/>
+                        </a:rPr>
+                        <a:t>78.1</a:t>
+                      </a:r>
+                    </a:p>
+                  </a:txBody>
+                  <a:tcPr marL="9525" marR="9525" marT="9525" marB="0" anchor="b"/>
+                </a:tc>
+                <a:extLst>
+                  <a:ext uri="{0D108BD9-81ED-4DB2-BD59-A6C34878D82A}">
+                    <a16:rowId xmlns:a16="http://schemas.microsoft.com/office/drawing/2014/main" val="2658528713"/>
+                  </a:ext>
+                </a:extLst>
+              </a:tr>
+              <a:tr h="421892">
+                <a:tc>
+                  <a:txBody>
+                    <a:bodyPr/>
+                    <a:lstStyle/>
+                    <a:p>
+                      <a:pPr algn="r" fontAlgn="b"/>
+                      <a:r>
+                        <a:rPr lang="en-US" sz="1400" b="1" i="0" u="none" strike="noStrike" dirty="0">
+                          <a:solidFill>
+                            <a:srgbClr val="000000"/>
+                          </a:solidFill>
+                          <a:effectLst/>
+                          <a:latin typeface="Calibri" panose="020F0502020204030204" pitchFamily="34" charset="0"/>
+                        </a:rPr>
+                        <a:t>Spider-Man: Into the Spider-Verse</a:t>
+                      </a:r>
+                    </a:p>
+                  </a:txBody>
+                  <a:tcPr marL="9525" marR="9525" marT="9525" marB="0" anchor="b"/>
+                </a:tc>
+                <a:tc>
+                  <a:txBody>
+                    <a:bodyPr/>
+                    <a:lstStyle/>
+                    <a:p>
+                      <a:pPr algn="ctr" fontAlgn="b"/>
+                      <a:r>
+                        <a:rPr lang="en-US" sz="1400" b="1" i="0" u="none" strike="noStrike" dirty="0">
+                          <a:solidFill>
+                            <a:srgbClr val="000000"/>
+                          </a:solidFill>
+                          <a:effectLst/>
+                          <a:latin typeface="Calibri" panose="020F0502020204030204" pitchFamily="34" charset="0"/>
+                        </a:rPr>
+                        <a:t>60.5</a:t>
+                      </a:r>
+                    </a:p>
+                  </a:txBody>
+                  <a:tcPr marL="9525" marR="9525" marT="9525" marB="0" anchor="b"/>
+                </a:tc>
+                <a:extLst>
+                  <a:ext uri="{0D108BD9-81ED-4DB2-BD59-A6C34878D82A}">
+                    <a16:rowId xmlns:a16="http://schemas.microsoft.com/office/drawing/2014/main" val="2344671712"/>
+                  </a:ext>
+                </a:extLst>
+              </a:tr>
+              <a:tr h="421892">
+                <a:tc>
+                  <a:txBody>
+                    <a:bodyPr/>
+                    <a:lstStyle/>
+                    <a:p>
+                      <a:pPr algn="r" fontAlgn="b"/>
+                      <a:r>
+                        <a:rPr lang="en-US" sz="1400" b="1" i="0" u="none" strike="noStrike" dirty="0">
+                          <a:solidFill>
+                            <a:srgbClr val="000000"/>
+                          </a:solidFill>
+                          <a:effectLst/>
+                          <a:latin typeface="Calibri" panose="020F0502020204030204" pitchFamily="34" charset="0"/>
+                        </a:rPr>
+                        <a:t>The Hobbit: The Battle of the Five Armies</a:t>
+                      </a:r>
+                    </a:p>
+                  </a:txBody>
+                  <a:tcPr marL="9525" marR="9525" marT="9525" marB="0" anchor="b"/>
+                </a:tc>
+                <a:tc>
+                  <a:txBody>
+                    <a:bodyPr/>
+                    <a:lstStyle/>
+                    <a:p>
+                      <a:pPr algn="ctr" fontAlgn="b"/>
+                      <a:r>
+                        <a:rPr lang="en-US" sz="1400" b="1" i="0" u="none" strike="noStrike" dirty="0">
+                          <a:solidFill>
+                            <a:srgbClr val="000000"/>
+                          </a:solidFill>
+                          <a:effectLst/>
+                          <a:latin typeface="Calibri" panose="020F0502020204030204" pitchFamily="34" charset="0"/>
+                        </a:rPr>
+                        <a:t>53.8</a:t>
+                      </a:r>
+                    </a:p>
+                  </a:txBody>
+                  <a:tcPr marL="9525" marR="9525" marT="9525" marB="0" anchor="b"/>
+                </a:tc>
+                <a:extLst>
+                  <a:ext uri="{0D108BD9-81ED-4DB2-BD59-A6C34878D82A}">
+                    <a16:rowId xmlns:a16="http://schemas.microsoft.com/office/drawing/2014/main" val="2550047460"/>
+                  </a:ext>
+                </a:extLst>
+              </a:tr>
+              <a:tr h="297744">
+                <a:tc>
+                  <a:txBody>
+                    <a:bodyPr/>
+                    <a:lstStyle/>
+                    <a:p>
+                      <a:pPr algn="r" fontAlgn="b"/>
+                      <a:r>
+                        <a:rPr lang="en-US" sz="1400" b="1" i="0" u="none" strike="noStrike" dirty="0">
+                          <a:solidFill>
+                            <a:srgbClr val="000000"/>
+                          </a:solidFill>
+                          <a:effectLst/>
+                          <a:latin typeface="Calibri" panose="020F0502020204030204" pitchFamily="34" charset="0"/>
+                        </a:rPr>
+                        <a:t>The Avengers</a:t>
+                      </a:r>
+                    </a:p>
+                  </a:txBody>
+                  <a:tcPr marL="9525" marR="9525" marT="9525" marB="0" anchor="b"/>
+                </a:tc>
+                <a:tc>
+                  <a:txBody>
+                    <a:bodyPr/>
+                    <a:lstStyle/>
+                    <a:p>
+                      <a:pPr algn="ctr" fontAlgn="b"/>
+                      <a:r>
+                        <a:rPr lang="en-US" sz="1400" b="1" i="0" u="none" strike="noStrike" dirty="0">
+                          <a:solidFill>
+                            <a:srgbClr val="000000"/>
+                          </a:solidFill>
+                          <a:effectLst/>
+                          <a:latin typeface="Calibri" panose="020F0502020204030204" pitchFamily="34" charset="0"/>
+                        </a:rPr>
+                        <a:t>50.3</a:t>
+                      </a:r>
+                    </a:p>
+                  </a:txBody>
+                  <a:tcPr marL="9525" marR="9525" marT="9525" marB="0" anchor="b"/>
+                </a:tc>
+                <a:extLst>
+                  <a:ext uri="{0D108BD9-81ED-4DB2-BD59-A6C34878D82A}">
+                    <a16:rowId xmlns:a16="http://schemas.microsoft.com/office/drawing/2014/main" val="2760274192"/>
+                  </a:ext>
+                </a:extLst>
+              </a:tr>
+              <a:tr h="297744">
+                <a:tc>
+                  <a:txBody>
+                    <a:bodyPr/>
+                    <a:lstStyle/>
+                    <a:p>
+                      <a:pPr algn="r" fontAlgn="b"/>
+                      <a:r>
+                        <a:rPr lang="en-US" sz="1400" b="1" i="0" u="none" strike="noStrike" dirty="0">
+                          <a:solidFill>
+                            <a:srgbClr val="000000"/>
+                          </a:solidFill>
+                          <a:effectLst/>
+                          <a:latin typeface="Calibri" panose="020F0502020204030204" pitchFamily="34" charset="0"/>
+                        </a:rPr>
+                        <a:t>Guardians of the Galaxy</a:t>
+                      </a:r>
+                    </a:p>
+                  </a:txBody>
+                  <a:tcPr marL="9525" marR="9525" marT="9525" marB="0" anchor="b"/>
+                </a:tc>
+                <a:tc>
+                  <a:txBody>
+                    <a:bodyPr/>
+                    <a:lstStyle/>
+                    <a:p>
+                      <a:pPr algn="ctr" fontAlgn="b"/>
+                      <a:r>
+                        <a:rPr lang="en-US" sz="1400" b="1" i="0" u="none" strike="noStrike" dirty="0">
+                          <a:solidFill>
+                            <a:srgbClr val="000000"/>
+                          </a:solidFill>
+                          <a:effectLst/>
+                          <a:latin typeface="Calibri" panose="020F0502020204030204" pitchFamily="34" charset="0"/>
+                        </a:rPr>
+                        <a:t>49.6</a:t>
+                      </a:r>
+                    </a:p>
+                  </a:txBody>
+                  <a:tcPr marL="9525" marR="9525" marT="9525" marB="0" anchor="b"/>
+                </a:tc>
+                <a:extLst>
+                  <a:ext uri="{0D108BD9-81ED-4DB2-BD59-A6C34878D82A}">
+                    <a16:rowId xmlns:a16="http://schemas.microsoft.com/office/drawing/2014/main" val="387269395"/>
+                  </a:ext>
+                </a:extLst>
+              </a:tr>
+              <a:tr h="297744">
+                <a:tc>
+                  <a:txBody>
+                    <a:bodyPr/>
+                    <a:lstStyle/>
+                    <a:p>
+                      <a:pPr algn="r" fontAlgn="b"/>
+                      <a:r>
+                        <a:rPr lang="en-US" sz="1400" b="1" i="0" u="none" strike="noStrike" dirty="0">
+                          <a:solidFill>
+                            <a:srgbClr val="000000"/>
+                          </a:solidFill>
+                          <a:effectLst/>
+                          <a:latin typeface="Calibri" panose="020F0502020204030204" pitchFamily="34" charset="0"/>
+                        </a:rPr>
+                        <a:t>Blade Runner 2049</a:t>
+                      </a:r>
+                    </a:p>
+                  </a:txBody>
+                  <a:tcPr marL="9525" marR="9525" marT="9525" marB="0" anchor="b"/>
+                </a:tc>
+                <a:tc>
+                  <a:txBody>
+                    <a:bodyPr/>
+                    <a:lstStyle/>
+                    <a:p>
+                      <a:pPr algn="ctr" fontAlgn="b"/>
+                      <a:r>
+                        <a:rPr lang="en-US" sz="1400" b="1" i="0" u="none" strike="noStrike" dirty="0">
+                          <a:solidFill>
+                            <a:srgbClr val="000000"/>
+                          </a:solidFill>
+                          <a:effectLst/>
+                          <a:latin typeface="Calibri" panose="020F0502020204030204" pitchFamily="34" charset="0"/>
+                        </a:rPr>
+                        <a:t>48.6</a:t>
+                      </a:r>
+                    </a:p>
+                  </a:txBody>
+                  <a:tcPr marL="9525" marR="9525" marT="9525" marB="0" anchor="b"/>
+                </a:tc>
+                <a:extLst>
+                  <a:ext uri="{0D108BD9-81ED-4DB2-BD59-A6C34878D82A}">
+                    <a16:rowId xmlns:a16="http://schemas.microsoft.com/office/drawing/2014/main" val="89478927"/>
+                  </a:ext>
+                </a:extLst>
+              </a:tr>
+              <a:tr h="421892">
+                <a:tc>
+                  <a:txBody>
+                    <a:bodyPr/>
+                    <a:lstStyle/>
+                    <a:p>
+                      <a:pPr marL="0" marR="0" lvl="0" indent="0" algn="r" defTabSz="914400" rtl="0" eaLnBrk="1" fontAlgn="b" latinLnBrk="0" hangingPunct="1">
+                        <a:lnSpc>
+                          <a:spcPct val="100000"/>
+                        </a:lnSpc>
+                        <a:spcBef>
+                          <a:spcPts val="0"/>
+                        </a:spcBef>
+                        <a:spcAft>
+                          <a:spcPts val="0"/>
+                        </a:spcAft>
+                        <a:buClrTx/>
+                        <a:buSzTx/>
+                        <a:buFontTx/>
+                        <a:buNone/>
+                        <a:tabLst/>
+                        <a:defRPr/>
+                      </a:pPr>
+                      <a:r>
+                        <a:rPr lang="en-US" sz="1400" b="1" i="0" u="none" strike="noStrike" dirty="0">
+                          <a:solidFill>
+                            <a:srgbClr val="000000"/>
+                          </a:solidFill>
+                          <a:effectLst/>
+                          <a:latin typeface="Calibri" panose="020F0502020204030204" pitchFamily="34" charset="0"/>
+                        </a:rPr>
+                        <a:t>Fantastic Beasts: The Crimes of </a:t>
+                      </a:r>
+                      <a:r>
+                        <a:rPr lang="en-US" sz="1400" b="1" i="0" u="none" strike="noStrike" dirty="0" err="1">
+                          <a:solidFill>
+                            <a:srgbClr val="000000"/>
+                          </a:solidFill>
+                          <a:effectLst/>
+                          <a:latin typeface="Calibri" panose="020F0502020204030204" pitchFamily="34" charset="0"/>
+                        </a:rPr>
+                        <a:t>Grindelwald</a:t>
+                      </a:r>
+                      <a:endParaRPr lang="en-US" sz="1400" b="1" i="0" u="none" strike="noStrike" dirty="0">
+                        <a:solidFill>
+                          <a:srgbClr val="000000"/>
+                        </a:solidFill>
+                        <a:effectLst/>
+                        <a:latin typeface="Calibri" panose="020F0502020204030204" pitchFamily="34" charset="0"/>
+                      </a:endParaRPr>
+                    </a:p>
+                  </a:txBody>
+                  <a:tcPr marL="9525" marR="9525" marT="9525" marB="0" anchor="b"/>
+                </a:tc>
+                <a:tc>
+                  <a:txBody>
+                    <a:bodyPr/>
+                    <a:lstStyle/>
+                    <a:p>
+                      <a:pPr algn="ctr" fontAlgn="b"/>
+                      <a:r>
+                        <a:rPr lang="en-US" sz="1400" b="1" i="0" u="none" strike="noStrike" dirty="0">
+                          <a:solidFill>
+                            <a:srgbClr val="000000"/>
+                          </a:solidFill>
+                          <a:effectLst/>
+                          <a:latin typeface="Calibri" panose="020F0502020204030204" pitchFamily="34" charset="0"/>
+                        </a:rPr>
+                        <a:t>48.5</a:t>
+                      </a:r>
+                    </a:p>
+                  </a:txBody>
+                  <a:tcPr marL="9525" marR="9525" marT="9525" marB="0" anchor="b"/>
+                </a:tc>
+                <a:extLst>
+                  <a:ext uri="{0D108BD9-81ED-4DB2-BD59-A6C34878D82A}">
+                    <a16:rowId xmlns:a16="http://schemas.microsoft.com/office/drawing/2014/main" val="3113444170"/>
+                  </a:ext>
+                </a:extLst>
+              </a:tr>
+              <a:tr h="305498">
+                <a:tc>
+                  <a:txBody>
+                    <a:bodyPr/>
+                    <a:lstStyle/>
+                    <a:p>
+                      <a:pPr marL="0" marR="0" lvl="0" indent="0" algn="r" defTabSz="914400" rtl="0" eaLnBrk="1" fontAlgn="b" latinLnBrk="0" hangingPunct="1">
+                        <a:lnSpc>
+                          <a:spcPct val="100000"/>
+                        </a:lnSpc>
+                        <a:spcBef>
+                          <a:spcPts val="0"/>
+                        </a:spcBef>
+                        <a:spcAft>
+                          <a:spcPts val="0"/>
+                        </a:spcAft>
+                        <a:buClrTx/>
+                        <a:buSzTx/>
+                        <a:buFontTx/>
+                        <a:buNone/>
+                        <a:tabLst/>
+                        <a:defRPr/>
+                      </a:pPr>
+                      <a:r>
+                        <a:rPr lang="en-US" sz="1400" b="1" i="0" u="none" strike="noStrike" dirty="0">
+                          <a:solidFill>
+                            <a:srgbClr val="000000"/>
+                          </a:solidFill>
+                          <a:effectLst/>
+                          <a:latin typeface="Calibri" panose="020F0502020204030204" pitchFamily="34" charset="0"/>
+                        </a:rPr>
+                        <a:t>Ralph Breaks the Internet</a:t>
+                      </a:r>
+                    </a:p>
+                  </a:txBody>
+                  <a:tcPr marL="9525" marR="9525" marT="9525" marB="0" anchor="b"/>
+                </a:tc>
+                <a:tc>
+                  <a:txBody>
+                    <a:bodyPr/>
+                    <a:lstStyle/>
+                    <a:p>
+                      <a:pPr algn="ctr" fontAlgn="b"/>
+                      <a:r>
+                        <a:rPr lang="en-US" sz="1400" b="1" i="0" u="none" strike="noStrike" dirty="0">
+                          <a:solidFill>
+                            <a:srgbClr val="000000"/>
+                          </a:solidFill>
+                          <a:effectLst/>
+                          <a:latin typeface="Calibri" panose="020F0502020204030204" pitchFamily="34" charset="0"/>
+                        </a:rPr>
+                        <a:t>48.1</a:t>
+                      </a:r>
+                    </a:p>
+                  </a:txBody>
+                  <a:tcPr marL="9525" marR="9525" marT="9525" marB="0" anchor="b"/>
+                </a:tc>
+                <a:extLst>
+                  <a:ext uri="{0D108BD9-81ED-4DB2-BD59-A6C34878D82A}">
+                    <a16:rowId xmlns:a16="http://schemas.microsoft.com/office/drawing/2014/main" val="1128180163"/>
+                  </a:ext>
+                </a:extLst>
+              </a:tr>
+              <a:tr h="297744">
+                <a:tc>
+                  <a:txBody>
+                    <a:bodyPr/>
+                    <a:lstStyle/>
+                    <a:p>
+                      <a:pPr algn="r" fontAlgn="b"/>
+                      <a:r>
+                        <a:rPr lang="en-US" sz="1400" b="1" i="0" u="none" strike="noStrike" dirty="0">
+                          <a:solidFill>
+                            <a:srgbClr val="000000"/>
+                          </a:solidFill>
+                          <a:effectLst/>
+                          <a:latin typeface="Calibri" panose="020F0502020204030204" pitchFamily="34" charset="0"/>
+                        </a:rPr>
+                        <a:t>Spider-Man: Homecoming</a:t>
+                      </a:r>
+                    </a:p>
+                  </a:txBody>
+                  <a:tcPr marL="9525" marR="9525" marT="9525" marB="0" anchor="b"/>
+                </a:tc>
+                <a:tc>
+                  <a:txBody>
+                    <a:bodyPr/>
+                    <a:lstStyle/>
+                    <a:p>
+                      <a:pPr algn="ctr" fontAlgn="b"/>
+                      <a:r>
+                        <a:rPr lang="en-US" sz="1400" b="1" i="0" u="none" strike="noStrike" dirty="0">
+                          <a:solidFill>
+                            <a:srgbClr val="000000"/>
+                          </a:solidFill>
+                          <a:effectLst/>
+                          <a:latin typeface="Calibri" panose="020F0502020204030204" pitchFamily="34" charset="0"/>
+                        </a:rPr>
+                        <a:t>46.8</a:t>
+                      </a:r>
+                    </a:p>
+                  </a:txBody>
+                  <a:tcPr marL="9525" marR="9525" marT="9525" marB="0" anchor="b"/>
+                </a:tc>
+                <a:extLst>
+                  <a:ext uri="{0D108BD9-81ED-4DB2-BD59-A6C34878D82A}">
+                    <a16:rowId xmlns:a16="http://schemas.microsoft.com/office/drawing/2014/main" val="2394597118"/>
+                  </a:ext>
+                </a:extLst>
+              </a:tr>
+            </a:tbl>
+          </a:graphicData>
+        </a:graphic>
+      </p:graphicFrame>
+      <p:sp>
+        <p:nvSpPr>
+          <p:cNvPr id="6" name="TextBox 5">
+            <a:extLst>
+              <a:ext uri="{FF2B5EF4-FFF2-40B4-BE49-F238E27FC236}">
+                <a16:creationId xmlns:a16="http://schemas.microsoft.com/office/drawing/2014/main" id="{C3124B36-88AA-5643-9D3E-B7FBE69B7B59}"/>
+              </a:ext>
+            </a:extLst>
+          </p:cNvPr>
+          <p:cNvSpPr txBox="1"/>
+          <p:nvPr/>
+        </p:nvSpPr>
+        <p:spPr>
+          <a:xfrm>
+            <a:off x="263047" y="1744307"/>
+            <a:ext cx="4932608" cy="923330"/>
+          </a:xfrm>
+          <a:prstGeom prst="rect">
+            <a:avLst/>
+          </a:prstGeom>
+          <a:noFill/>
+        </p:spPr>
+        <p:txBody>
+          <a:bodyPr wrap="square" rtlCol="0">
+            <a:spAutoFit/>
+          </a:bodyPr>
+          <a:lstStyle/>
+          <a:p>
+            <a:pPr marL="285750" indent="-285750">
+              <a:buFontTx/>
+              <a:buChar char="-"/>
+            </a:pPr>
+            <a:r>
+              <a:rPr lang="en-US" dirty="0"/>
+              <a:t>The most popular genres of films are Super Hero movies, Well-Known Series (LOTR, Star Wars, etc.), and Children's movies.</a:t>
+            </a:r>
+          </a:p>
+        </p:txBody>
+      </p:sp>
+      <p:sp>
+        <p:nvSpPr>
+          <p:cNvPr id="8" name="TextBox 7">
+            <a:extLst>
+              <a:ext uri="{FF2B5EF4-FFF2-40B4-BE49-F238E27FC236}">
+                <a16:creationId xmlns:a16="http://schemas.microsoft.com/office/drawing/2014/main" id="{5FD7B013-EF5F-1947-A0AE-99EB0F4041C5}"/>
+              </a:ext>
+            </a:extLst>
+          </p:cNvPr>
+          <p:cNvSpPr txBox="1"/>
+          <p:nvPr/>
+        </p:nvSpPr>
+        <p:spPr>
+          <a:xfrm>
+            <a:off x="263047" y="3173664"/>
+            <a:ext cx="4308953" cy="923330"/>
+          </a:xfrm>
+          <a:prstGeom prst="rect">
+            <a:avLst/>
+          </a:prstGeom>
+          <a:noFill/>
+        </p:spPr>
+        <p:txBody>
+          <a:bodyPr wrap="square" rtlCol="0">
+            <a:spAutoFit/>
+          </a:bodyPr>
+          <a:lstStyle/>
+          <a:p>
+            <a:pPr marL="285750" indent="-285750">
+              <a:buFontTx/>
+              <a:buChar char="-"/>
+            </a:pPr>
+            <a:r>
+              <a:rPr lang="en-US" dirty="0"/>
+              <a:t>60% of the top 25 are Super Hero movies</a:t>
+            </a:r>
+          </a:p>
+          <a:p>
+            <a:r>
+              <a:rPr lang="en-US" dirty="0"/>
+              <a:t> </a:t>
+            </a:r>
+          </a:p>
+          <a:p>
+            <a:pPr marL="285750" indent="-285750">
+              <a:buFontTx/>
+              <a:buChar char="-"/>
+            </a:pPr>
+            <a:r>
+              <a:rPr lang="en-US" dirty="0"/>
+              <a:t>16% of the top 25 are Well-Known Series</a:t>
+            </a:r>
+          </a:p>
+        </p:txBody>
+      </p:sp>
+      <p:sp>
+        <p:nvSpPr>
+          <p:cNvPr id="9" name="TextBox 8">
+            <a:extLst>
+              <a:ext uri="{FF2B5EF4-FFF2-40B4-BE49-F238E27FC236}">
+                <a16:creationId xmlns:a16="http://schemas.microsoft.com/office/drawing/2014/main" id="{6A975474-C91E-B347-A8D6-86B70739176E}"/>
+              </a:ext>
+            </a:extLst>
+          </p:cNvPr>
+          <p:cNvSpPr txBox="1"/>
+          <p:nvPr/>
+        </p:nvSpPr>
+        <p:spPr>
+          <a:xfrm>
+            <a:off x="263047" y="4794965"/>
+            <a:ext cx="4932608" cy="369332"/>
+          </a:xfrm>
+          <a:prstGeom prst="rect">
+            <a:avLst/>
+          </a:prstGeom>
+          <a:noFill/>
+        </p:spPr>
+        <p:txBody>
+          <a:bodyPr wrap="square" rtlCol="0">
+            <a:spAutoFit/>
+          </a:bodyPr>
+          <a:lstStyle/>
+          <a:p>
+            <a:pPr marL="285750" indent="-285750">
+              <a:buFontTx/>
+              <a:buChar char="-"/>
+            </a:pPr>
+            <a:r>
+              <a:rPr lang="en-US" dirty="0"/>
+              <a:t>Difficult to compete by making one-off films</a:t>
+            </a:r>
           </a:p>
         </p:txBody>
       </p:sp>
@@ -4358,13 +5435,20 @@
             <p:ph type="title"/>
           </p:nvPr>
         </p:nvSpPr>
-        <p:spPr/>
-        <p:txBody>
-          <a:bodyPr/>
-          <a:lstStyle/>
-          <a:p>
-            <a:r>
-              <a:rPr lang="en-US" dirty="0"/>
+        <p:spPr>
+          <a:xfrm>
+            <a:off x="578546" y="365126"/>
+            <a:ext cx="7886700" cy="437106"/>
+          </a:xfrm>
+        </p:spPr>
+        <p:txBody>
+          <a:bodyPr>
+            <a:normAutofit fontScale="90000"/>
+          </a:bodyPr>
+          <a:lstStyle/>
+          <a:p>
+            <a:r>
+              <a:rPr lang="en-US" sz="3600" dirty="0"/>
               <a:t>What are the most lucrative films?</a:t>
             </a:r>
           </a:p>
@@ -4372,29 +5456,104 @@
       </p:sp>
       <p:sp>
         <p:nvSpPr>
-          <p:cNvPr id="3" name="Content Placeholder 2">
+          <p:cNvPr id="4" name="TextBox 3">
             <a:extLst>
               <a:ext uri="{FF2B5EF4-FFF2-40B4-BE49-F238E27FC236}">
-                <a16:creationId xmlns:a16="http://schemas.microsoft.com/office/drawing/2014/main" id="{60788684-69CE-9446-8F0F-1290C13A6B99}"/>
+                <a16:creationId xmlns:a16="http://schemas.microsoft.com/office/drawing/2014/main" id="{CB584ABE-F200-5E4C-850D-44E734508744}"/>
               </a:ext>
             </a:extLst>
           </p:cNvPr>
-          <p:cNvSpPr>
-            <a:spLocks noGrp="1"/>
-          </p:cNvSpPr>
-          <p:nvPr>
-            <p:ph idx="1"/>
-          </p:nvPr>
-        </p:nvSpPr>
-        <p:spPr/>
-        <p:txBody>
-          <a:bodyPr/>
-          <a:lstStyle/>
-          <a:p>
-            <a:endParaRPr lang="en-US"/>
-          </a:p>
-        </p:txBody>
-      </p:sp>
+          <p:cNvSpPr txBox="1"/>
+          <p:nvPr/>
+        </p:nvSpPr>
+        <p:spPr>
+          <a:xfrm>
+            <a:off x="578544" y="1752889"/>
+            <a:ext cx="3169085" cy="923330"/>
+          </a:xfrm>
+          <a:prstGeom prst="rect">
+            <a:avLst/>
+          </a:prstGeom>
+          <a:noFill/>
+        </p:spPr>
+        <p:txBody>
+          <a:bodyPr wrap="square" rtlCol="0">
+            <a:spAutoFit/>
+          </a:bodyPr>
+          <a:lstStyle/>
+          <a:p>
+            <a:r>
+              <a:rPr lang="en-US" dirty="0"/>
+              <a:t>- Most popular film categories are also the ones that make the most money.</a:t>
+            </a:r>
+          </a:p>
+        </p:txBody>
+      </p:sp>
+      <p:sp>
+        <p:nvSpPr>
+          <p:cNvPr id="6" name="TextBox 5">
+            <a:extLst>
+              <a:ext uri="{FF2B5EF4-FFF2-40B4-BE49-F238E27FC236}">
+                <a16:creationId xmlns:a16="http://schemas.microsoft.com/office/drawing/2014/main" id="{C48D8176-A026-8441-BF2B-FF391EA1251B}"/>
+              </a:ext>
+            </a:extLst>
+          </p:cNvPr>
+          <p:cNvSpPr txBox="1"/>
+          <p:nvPr/>
+        </p:nvSpPr>
+        <p:spPr>
+          <a:xfrm>
+            <a:off x="578545" y="3626876"/>
+            <a:ext cx="3169085" cy="923330"/>
+          </a:xfrm>
+          <a:prstGeom prst="rect">
+            <a:avLst/>
+          </a:prstGeom>
+          <a:noFill/>
+        </p:spPr>
+        <p:txBody>
+          <a:bodyPr wrap="square" rtlCol="0">
+            <a:spAutoFit/>
+          </a:bodyPr>
+          <a:lstStyle/>
+          <a:p>
+            <a:r>
+              <a:rPr lang="en-US" dirty="0"/>
+              <a:t>- 40% (4) Super Hero Movies 40% (4) Well-Known Series 20% (2) Children's Movies</a:t>
+            </a:r>
+          </a:p>
+        </p:txBody>
+      </p:sp>
+      <p:pic>
+        <p:nvPicPr>
+          <p:cNvPr id="8" name="Picture 7">
+            <a:extLst>
+              <a:ext uri="{FF2B5EF4-FFF2-40B4-BE49-F238E27FC236}">
+                <a16:creationId xmlns:a16="http://schemas.microsoft.com/office/drawing/2014/main" id="{2BCF5779-A181-3B4D-9490-C0BE40995BC3}"/>
+              </a:ext>
+            </a:extLst>
+          </p:cNvPr>
+          <p:cNvPicPr>
+            <a:picLocks noChangeAspect="1"/>
+          </p:cNvPicPr>
+          <p:nvPr/>
+        </p:nvPicPr>
+        <p:blipFill>
+          <a:blip r:embed="rId2"/>
+          <a:stretch>
+            <a:fillRect/>
+          </a:stretch>
+        </p:blipFill>
+        <p:spPr>
+          <a:xfrm>
+            <a:off x="3970750" y="1963638"/>
+            <a:ext cx="4800933" cy="4278870"/>
+          </a:xfrm>
+          <a:prstGeom prst="rect">
+            <a:avLst/>
+          </a:prstGeom>
+        </p:spPr>
+      </p:pic>
     </p:spTree>
     <p:extLst>
       <p:ext uri="{BB962C8B-B14F-4D97-AF65-F5344CB8AC3E}">
@@ -4441,40 +5600,602 @@
             <p:ph type="title"/>
           </p:nvPr>
         </p:nvSpPr>
-        <p:spPr/>
-        <p:txBody>
-          <a:bodyPr/>
-          <a:lstStyle/>
-          <a:p>
-            <a:r>
-              <a:rPr lang="en-US" dirty="0"/>
+        <p:spPr>
+          <a:xfrm>
+            <a:off x="578546" y="402705"/>
+            <a:ext cx="7886700" cy="361384"/>
+          </a:xfrm>
+        </p:spPr>
+        <p:txBody>
+          <a:bodyPr>
+            <a:normAutofit fontScale="90000"/>
+          </a:bodyPr>
+          <a:lstStyle/>
+          <a:p>
+            <a:r>
+              <a:rPr lang="en-US" sz="3600" dirty="0"/>
               <a:t>What are the most expensive films?</a:t>
             </a:r>
           </a:p>
         </p:txBody>
       </p:sp>
-      <p:sp>
-        <p:nvSpPr>
-          <p:cNvPr id="3" name="Content Placeholder 2">
+      <p:graphicFrame>
+        <p:nvGraphicFramePr>
+          <p:cNvPr id="4" name="Table 3">
             <a:extLst>
               <a:ext uri="{FF2B5EF4-FFF2-40B4-BE49-F238E27FC236}">
-                <a16:creationId xmlns:a16="http://schemas.microsoft.com/office/drawing/2014/main" id="{60788684-69CE-9446-8F0F-1290C13A6B99}"/>
+                <a16:creationId xmlns:a16="http://schemas.microsoft.com/office/drawing/2014/main" id="{B154F6FE-CE32-C44B-BAE3-8F79F0146AE2}"/>
               </a:ext>
             </a:extLst>
           </p:cNvPr>
-          <p:cNvSpPr>
-            <a:spLocks noGrp="1"/>
-          </p:cNvSpPr>
-          <p:nvPr>
-            <p:ph idx="1"/>
-          </p:nvPr>
-        </p:nvSpPr>
-        <p:spPr/>
-        <p:txBody>
-          <a:bodyPr/>
-          <a:lstStyle/>
-          <a:p>
-            <a:endParaRPr lang="en-US" dirty="0"/>
+          <p:cNvGraphicFramePr>
+            <a:graphicFrameLocks noGrp="1"/>
+          </p:cNvGraphicFramePr>
+          <p:nvPr>
+            <p:extLst>
+              <p:ext uri="{D42A27DB-BD31-4B8C-83A1-F6EECF244321}">
+                <p14:modId xmlns:p14="http://schemas.microsoft.com/office/powerpoint/2010/main" val="2383658279"/>
+              </p:ext>
+            </p:extLst>
+          </p:nvPr>
+        </p:nvGraphicFramePr>
+        <p:xfrm>
+          <a:off x="5398718" y="1593156"/>
+          <a:ext cx="2958554" cy="4554696"/>
+        </p:xfrm>
+        <a:graphic>
+          <a:graphicData uri="http://schemas.openxmlformats.org/drawingml/2006/table">
+            <a:tbl>
+              <a:tblPr firstRow="1" bandRow="1">
+                <a:tableStyleId>{5C22544A-7EE6-4342-B048-85BDC9FD1C3A}</a:tableStyleId>
+              </a:tblPr>
+              <a:tblGrid>
+                <a:gridCol w="1479277">
+                  <a:extLst>
+                    <a:ext uri="{9D8B030D-6E8A-4147-A177-3AD203B41FA5}">
+                      <a16:colId xmlns:a16="http://schemas.microsoft.com/office/drawing/2014/main" val="687438356"/>
+                    </a:ext>
+                  </a:extLst>
+                </a:gridCol>
+                <a:gridCol w="1479277">
+                  <a:extLst>
+                    <a:ext uri="{9D8B030D-6E8A-4147-A177-3AD203B41FA5}">
+                      <a16:colId xmlns:a16="http://schemas.microsoft.com/office/drawing/2014/main" val="776632988"/>
+                    </a:ext>
+                  </a:extLst>
+                </a:gridCol>
+              </a:tblGrid>
+              <a:tr h="335690">
+                <a:tc>
+                  <a:txBody>
+                    <a:bodyPr/>
+                    <a:lstStyle/>
+                    <a:p>
+                      <a:pPr algn="ctr"/>
+                      <a:r>
+                        <a:rPr lang="en-US" sz="1200" dirty="0"/>
+                        <a:t>Film Title</a:t>
+                      </a:r>
+                    </a:p>
+                  </a:txBody>
+                  <a:tcPr/>
+                </a:tc>
+                <a:tc>
+                  <a:txBody>
+                    <a:bodyPr/>
+                    <a:lstStyle/>
+                    <a:p>
+                      <a:pPr algn="ctr"/>
+                      <a:r>
+                        <a:rPr lang="en-US" sz="1200" dirty="0"/>
+                        <a:t>Production Budget</a:t>
+                      </a:r>
+                    </a:p>
+                  </a:txBody>
+                  <a:tcPr/>
+                </a:tc>
+                <a:extLst>
+                  <a:ext uri="{0D108BD9-81ED-4DB2-BD59-A6C34878D82A}">
+                    <a16:rowId xmlns:a16="http://schemas.microsoft.com/office/drawing/2014/main" val="239519881"/>
+                  </a:ext>
+                </a:extLst>
+              </a:tr>
+              <a:tr h="247173">
+                <a:tc>
+                  <a:txBody>
+                    <a:bodyPr/>
+                    <a:lstStyle/>
+                    <a:p>
+                      <a:pPr algn="r" fontAlgn="ctr"/>
+                      <a:r>
+                        <a:rPr lang="en-US" sz="1200" dirty="0">
+                          <a:effectLst/>
+                        </a:rPr>
+                        <a:t>Avatar</a:t>
+                      </a:r>
+                    </a:p>
+                  </a:txBody>
+                  <a:tcPr anchor="ctr"/>
+                </a:tc>
+                <a:tc>
+                  <a:txBody>
+                    <a:bodyPr/>
+                    <a:lstStyle/>
+                    <a:p>
+                      <a:pPr algn="r" fontAlgn="ctr"/>
+                      <a:r>
+                        <a:rPr lang="en-US" sz="1200">
+                          <a:effectLst/>
+                        </a:rPr>
+                        <a:t>$425,000,000</a:t>
+                      </a:r>
+                    </a:p>
+                  </a:txBody>
+                  <a:tcPr anchor="ctr"/>
+                </a:tc>
+                <a:extLst>
+                  <a:ext uri="{0D108BD9-81ED-4DB2-BD59-A6C34878D82A}">
+                    <a16:rowId xmlns:a16="http://schemas.microsoft.com/office/drawing/2014/main" val="2078908838"/>
+                  </a:ext>
+                </a:extLst>
+              </a:tr>
+              <a:tr h="576738">
+                <a:tc>
+                  <a:txBody>
+                    <a:bodyPr/>
+                    <a:lstStyle/>
+                    <a:p>
+                      <a:pPr algn="r" fontAlgn="ctr"/>
+                      <a:r>
+                        <a:rPr lang="en-US" sz="1200" dirty="0">
+                          <a:effectLst/>
+                        </a:rPr>
+                        <a:t>Pirates of the Caribbean: On Stranger Tides</a:t>
+                      </a:r>
+                    </a:p>
+                  </a:txBody>
+                  <a:tcPr anchor="ctr"/>
+                </a:tc>
+                <a:tc>
+                  <a:txBody>
+                    <a:bodyPr/>
+                    <a:lstStyle/>
+                    <a:p>
+                      <a:pPr algn="r" fontAlgn="ctr"/>
+                      <a:r>
+                        <a:rPr lang="en-US" sz="1200">
+                          <a:effectLst/>
+                        </a:rPr>
+                        <a:t>$410,600,000</a:t>
+                      </a:r>
+                    </a:p>
+                  </a:txBody>
+                  <a:tcPr anchor="ctr"/>
+                </a:tc>
+                <a:extLst>
+                  <a:ext uri="{0D108BD9-81ED-4DB2-BD59-A6C34878D82A}">
+                    <a16:rowId xmlns:a16="http://schemas.microsoft.com/office/drawing/2014/main" val="2658528713"/>
+                  </a:ext>
+                </a:extLst>
+              </a:tr>
+              <a:tr h="247173">
+                <a:tc>
+                  <a:txBody>
+                    <a:bodyPr/>
+                    <a:lstStyle/>
+                    <a:p>
+                      <a:pPr algn="r" fontAlgn="ctr"/>
+                      <a:r>
+                        <a:rPr lang="en-US" sz="1200" dirty="0">
+                          <a:effectLst/>
+                        </a:rPr>
+                        <a:t>Dark Phoenix</a:t>
+                      </a:r>
+                    </a:p>
+                  </a:txBody>
+                  <a:tcPr anchor="ctr"/>
+                </a:tc>
+                <a:tc>
+                  <a:txBody>
+                    <a:bodyPr/>
+                    <a:lstStyle/>
+                    <a:p>
+                      <a:pPr algn="r" fontAlgn="ctr"/>
+                      <a:r>
+                        <a:rPr lang="en-US" sz="1200">
+                          <a:effectLst/>
+                        </a:rPr>
+                        <a:t>$350,000,000</a:t>
+                      </a:r>
+                    </a:p>
+                  </a:txBody>
+                  <a:tcPr anchor="ctr"/>
+                </a:tc>
+                <a:extLst>
+                  <a:ext uri="{0D108BD9-81ED-4DB2-BD59-A6C34878D82A}">
+                    <a16:rowId xmlns:a16="http://schemas.microsoft.com/office/drawing/2014/main" val="2344671712"/>
+                  </a:ext>
+                </a:extLst>
+              </a:tr>
+              <a:tr h="411955">
+                <a:tc>
+                  <a:txBody>
+                    <a:bodyPr/>
+                    <a:lstStyle/>
+                    <a:p>
+                      <a:pPr algn="r" fontAlgn="ctr"/>
+                      <a:r>
+                        <a:rPr lang="en-US" sz="1200" dirty="0">
+                          <a:effectLst/>
+                        </a:rPr>
+                        <a:t>Avengers: Age of Ultron</a:t>
+                      </a:r>
+                    </a:p>
+                  </a:txBody>
+                  <a:tcPr anchor="ctr"/>
+                </a:tc>
+                <a:tc>
+                  <a:txBody>
+                    <a:bodyPr/>
+                    <a:lstStyle/>
+                    <a:p>
+                      <a:pPr algn="r" fontAlgn="ctr"/>
+                      <a:r>
+                        <a:rPr lang="en-US" sz="1200" dirty="0">
+                          <a:effectLst/>
+                        </a:rPr>
+                        <a:t>$330,600,000</a:t>
+                      </a:r>
+                    </a:p>
+                  </a:txBody>
+                  <a:tcPr anchor="ctr"/>
+                </a:tc>
+                <a:extLst>
+                  <a:ext uri="{0D108BD9-81ED-4DB2-BD59-A6C34878D82A}">
+                    <a16:rowId xmlns:a16="http://schemas.microsoft.com/office/drawing/2014/main" val="2550047460"/>
+                  </a:ext>
+                </a:extLst>
+              </a:tr>
+              <a:tr h="411955">
+                <a:tc>
+                  <a:txBody>
+                    <a:bodyPr/>
+                    <a:lstStyle/>
+                    <a:p>
+                      <a:pPr algn="r" fontAlgn="ctr"/>
+                      <a:r>
+                        <a:rPr lang="en-US" sz="1200">
+                          <a:effectLst/>
+                        </a:rPr>
+                        <a:t>Star Wars Ep. VIII: The Last Jedi</a:t>
+                      </a:r>
+                    </a:p>
+                  </a:txBody>
+                  <a:tcPr anchor="ctr"/>
+                </a:tc>
+                <a:tc>
+                  <a:txBody>
+                    <a:bodyPr/>
+                    <a:lstStyle/>
+                    <a:p>
+                      <a:pPr algn="r" fontAlgn="ctr"/>
+                      <a:r>
+                        <a:rPr lang="en-US" sz="1200" dirty="0">
+                          <a:effectLst/>
+                        </a:rPr>
+                        <a:t>$317,000,000</a:t>
+                      </a:r>
+                    </a:p>
+                  </a:txBody>
+                  <a:tcPr anchor="ctr"/>
+                </a:tc>
+                <a:extLst>
+                  <a:ext uri="{0D108BD9-81ED-4DB2-BD59-A6C34878D82A}">
+                    <a16:rowId xmlns:a16="http://schemas.microsoft.com/office/drawing/2014/main" val="2760274192"/>
+                  </a:ext>
+                </a:extLst>
+              </a:tr>
+              <a:tr h="469966">
+                <a:tc>
+                  <a:txBody>
+                    <a:bodyPr/>
+                    <a:lstStyle/>
+                    <a:p>
+                      <a:pPr algn="r" fontAlgn="ctr"/>
+                      <a:r>
+                        <a:rPr lang="en-US" sz="1200">
+                          <a:effectLst/>
+                        </a:rPr>
+                        <a:t>Star Wars Ep. VII: The Force Awakens</a:t>
+                      </a:r>
+                    </a:p>
+                  </a:txBody>
+                  <a:tcPr anchor="ctr"/>
+                </a:tc>
+                <a:tc>
+                  <a:txBody>
+                    <a:bodyPr/>
+                    <a:lstStyle/>
+                    <a:p>
+                      <a:pPr algn="r" fontAlgn="ctr"/>
+                      <a:r>
+                        <a:rPr lang="en-US" sz="1200">
+                          <a:effectLst/>
+                        </a:rPr>
+                        <a:t>$306,000,000</a:t>
+                      </a:r>
+                    </a:p>
+                  </a:txBody>
+                  <a:tcPr anchor="ctr"/>
+                </a:tc>
+                <a:extLst>
+                  <a:ext uri="{0D108BD9-81ED-4DB2-BD59-A6C34878D82A}">
+                    <a16:rowId xmlns:a16="http://schemas.microsoft.com/office/drawing/2014/main" val="387269395"/>
+                  </a:ext>
+                </a:extLst>
+              </a:tr>
+              <a:tr h="411955">
+                <a:tc>
+                  <a:txBody>
+                    <a:bodyPr/>
+                    <a:lstStyle/>
+                    <a:p>
+                      <a:pPr algn="r" fontAlgn="ctr"/>
+                      <a:r>
+                        <a:rPr lang="en-US" sz="1200" dirty="0">
+                          <a:effectLst/>
+                        </a:rPr>
+                        <a:t>Avengers: Infinity War</a:t>
+                      </a:r>
+                    </a:p>
+                  </a:txBody>
+                  <a:tcPr anchor="ctr"/>
+                </a:tc>
+                <a:tc>
+                  <a:txBody>
+                    <a:bodyPr/>
+                    <a:lstStyle/>
+                    <a:p>
+                      <a:pPr algn="r" fontAlgn="ctr"/>
+                      <a:r>
+                        <a:rPr lang="en-US" sz="1200">
+                          <a:effectLst/>
+                        </a:rPr>
+                        <a:t>$300,000,000</a:t>
+                      </a:r>
+                    </a:p>
+                  </a:txBody>
+                  <a:tcPr anchor="ctr"/>
+                </a:tc>
+                <a:extLst>
+                  <a:ext uri="{0D108BD9-81ED-4DB2-BD59-A6C34878D82A}">
+                    <a16:rowId xmlns:a16="http://schemas.microsoft.com/office/drawing/2014/main" val="89478927"/>
+                  </a:ext>
+                </a:extLst>
+              </a:tr>
+              <a:tr h="612913">
+                <a:tc>
+                  <a:txBody>
+                    <a:bodyPr/>
+                    <a:lstStyle/>
+                    <a:p>
+                      <a:pPr algn="r" fontAlgn="ctr"/>
+                      <a:r>
+                        <a:rPr lang="en-US" sz="1200" dirty="0">
+                          <a:effectLst/>
+                        </a:rPr>
+                        <a:t>Pirates of the Caribbean: At World’s End</a:t>
+                      </a:r>
+                    </a:p>
+                  </a:txBody>
+                  <a:tcPr anchor="ctr"/>
+                </a:tc>
+                <a:tc>
+                  <a:txBody>
+                    <a:bodyPr/>
+                    <a:lstStyle/>
+                    <a:p>
+                      <a:pPr algn="r" fontAlgn="ctr"/>
+                      <a:r>
+                        <a:rPr lang="en-US" sz="1200">
+                          <a:effectLst/>
+                        </a:rPr>
+                        <a:t>$300,000,000</a:t>
+                      </a:r>
+                    </a:p>
+                  </a:txBody>
+                  <a:tcPr anchor="ctr"/>
+                </a:tc>
+                <a:extLst>
+                  <a:ext uri="{0D108BD9-81ED-4DB2-BD59-A6C34878D82A}">
+                    <a16:rowId xmlns:a16="http://schemas.microsoft.com/office/drawing/2014/main" val="3113444170"/>
+                  </a:ext>
+                </a:extLst>
+              </a:tr>
+              <a:tr h="247173">
+                <a:tc>
+                  <a:txBody>
+                    <a:bodyPr/>
+                    <a:lstStyle/>
+                    <a:p>
+                      <a:pPr algn="r" fontAlgn="ctr"/>
+                      <a:r>
+                        <a:rPr lang="en-US" sz="1200">
+                          <a:effectLst/>
+                        </a:rPr>
+                        <a:t>Justice League</a:t>
+                      </a:r>
+                    </a:p>
+                  </a:txBody>
+                  <a:tcPr anchor="ctr"/>
+                </a:tc>
+                <a:tc>
+                  <a:txBody>
+                    <a:bodyPr/>
+                    <a:lstStyle/>
+                    <a:p>
+                      <a:pPr algn="r" fontAlgn="ctr"/>
+                      <a:r>
+                        <a:rPr lang="en-US" sz="1200">
+                          <a:effectLst/>
+                        </a:rPr>
+                        <a:t>$300,000,000</a:t>
+                      </a:r>
+                    </a:p>
+                  </a:txBody>
+                  <a:tcPr anchor="ctr"/>
+                </a:tc>
+                <a:extLst>
+                  <a:ext uri="{0D108BD9-81ED-4DB2-BD59-A6C34878D82A}">
+                    <a16:rowId xmlns:a16="http://schemas.microsoft.com/office/drawing/2014/main" val="1128180163"/>
+                  </a:ext>
+                </a:extLst>
+              </a:tr>
+              <a:tr h="247173">
+                <a:tc>
+                  <a:txBody>
+                    <a:bodyPr/>
+                    <a:lstStyle/>
+                    <a:p>
+                      <a:pPr algn="r" fontAlgn="ctr"/>
+                      <a:r>
+                        <a:rPr lang="en-US" sz="1200" dirty="0" err="1">
+                          <a:effectLst/>
+                        </a:rPr>
+                        <a:t>Spectre</a:t>
+                      </a:r>
+                      <a:endParaRPr lang="en-US" sz="1200" dirty="0">
+                        <a:effectLst/>
+                      </a:endParaRPr>
+                    </a:p>
+                  </a:txBody>
+                  <a:tcPr anchor="ctr"/>
+                </a:tc>
+                <a:tc>
+                  <a:txBody>
+                    <a:bodyPr/>
+                    <a:lstStyle/>
+                    <a:p>
+                      <a:pPr algn="r" fontAlgn="ctr"/>
+                      <a:r>
+                        <a:rPr lang="en-US" sz="1200" dirty="0">
+                          <a:effectLst/>
+                        </a:rPr>
+                        <a:t>$300,000,000</a:t>
+                      </a:r>
+                    </a:p>
+                  </a:txBody>
+                  <a:tcPr anchor="ctr"/>
+                </a:tc>
+                <a:extLst>
+                  <a:ext uri="{0D108BD9-81ED-4DB2-BD59-A6C34878D82A}">
+                    <a16:rowId xmlns:a16="http://schemas.microsoft.com/office/drawing/2014/main" val="2394597118"/>
+                  </a:ext>
+                </a:extLst>
+              </a:tr>
+            </a:tbl>
+          </a:graphicData>
+        </a:graphic>
+      </p:graphicFrame>
+      <p:sp>
+        <p:nvSpPr>
+          <p:cNvPr id="5" name="TextBox 4">
+            <a:extLst>
+              <a:ext uri="{FF2B5EF4-FFF2-40B4-BE49-F238E27FC236}">
+                <a16:creationId xmlns:a16="http://schemas.microsoft.com/office/drawing/2014/main" id="{535FC6F8-EE83-D447-AC70-AE70D2EA5E84}"/>
+              </a:ext>
+            </a:extLst>
+          </p:cNvPr>
+          <p:cNvSpPr txBox="1"/>
+          <p:nvPr/>
+        </p:nvSpPr>
+        <p:spPr>
+          <a:xfrm>
+            <a:off x="209327" y="2082510"/>
+            <a:ext cx="4932608" cy="923330"/>
+          </a:xfrm>
+          <a:prstGeom prst="rect">
+            <a:avLst/>
+          </a:prstGeom>
+          <a:noFill/>
+        </p:spPr>
+        <p:txBody>
+          <a:bodyPr wrap="square" rtlCol="0">
+            <a:spAutoFit/>
+          </a:bodyPr>
+          <a:lstStyle/>
+          <a:p>
+            <a:pPr marL="285750" indent="-285750">
+              <a:buFontTx/>
+              <a:buChar char="-"/>
+            </a:pPr>
+            <a:r>
+              <a:rPr lang="en-US" dirty="0"/>
+              <a:t>Same three categories as the most lucrative and popular films - </a:t>
+            </a:r>
+            <a:r>
+              <a:rPr lang="en-US" b="1" dirty="0"/>
+              <a:t>Well-Known series</a:t>
+            </a:r>
+            <a:r>
+              <a:rPr lang="en-US" dirty="0"/>
+              <a:t>, </a:t>
+            </a:r>
+            <a:r>
+              <a:rPr lang="en-US" b="1" dirty="0"/>
+              <a:t>Super Hero movies</a:t>
+            </a:r>
+            <a:r>
+              <a:rPr lang="en-US" dirty="0"/>
+              <a:t>, or </a:t>
+            </a:r>
+            <a:r>
+              <a:rPr lang="en-US" b="1" dirty="0"/>
+              <a:t>Children's movies</a:t>
+            </a:r>
+            <a:r>
+              <a:rPr lang="en-US" dirty="0"/>
+              <a:t>.</a:t>
+            </a:r>
+          </a:p>
+        </p:txBody>
+      </p:sp>
+      <p:sp>
+        <p:nvSpPr>
+          <p:cNvPr id="6" name="TextBox 5">
+            <a:extLst>
+              <a:ext uri="{FF2B5EF4-FFF2-40B4-BE49-F238E27FC236}">
+                <a16:creationId xmlns:a16="http://schemas.microsoft.com/office/drawing/2014/main" id="{3325BBD0-2458-B748-A138-BFEB60D4BF40}"/>
+              </a:ext>
+            </a:extLst>
+          </p:cNvPr>
+          <p:cNvSpPr txBox="1"/>
+          <p:nvPr/>
+        </p:nvSpPr>
+        <p:spPr>
+          <a:xfrm>
+            <a:off x="209327" y="3546635"/>
+            <a:ext cx="4622104" cy="646331"/>
+          </a:xfrm>
+          <a:prstGeom prst="rect">
+            <a:avLst/>
+          </a:prstGeom>
+          <a:noFill/>
+        </p:spPr>
+        <p:txBody>
+          <a:bodyPr wrap="square" rtlCol="0">
+            <a:spAutoFit/>
+          </a:bodyPr>
+          <a:lstStyle/>
+          <a:p>
+            <a:pPr marL="285750" indent="-285750">
+              <a:buFontTx/>
+              <a:buChar char="-"/>
+            </a:pPr>
+            <a:r>
+              <a:rPr lang="en-US" dirty="0"/>
+              <a:t>100% of the top ten most expensive films fall into two of the above three categories</a:t>
+            </a:r>
           </a:p>
         </p:txBody>
       </p:sp>
@@ -4723,15 +6444,7 @@
           <a:p>
             <a:r>
               <a:rPr lang="en-US" dirty="0"/>
-              <a:t>Roughly 50-60 million people own some kind of an Xbox device (original, 360, One, &amp; Series X). In this way, they are already in many peoples' </a:t>
-            </a:r>
-            <a:r>
-              <a:rPr lang="en-US" dirty="0" err="1"/>
-              <a:t>livingrooms</a:t>
-            </a:r>
-            <a:r>
-              <a:rPr lang="en-US" dirty="0"/>
-              <a:t>. As a result of this competitive advantage, there may be a lucrative solution for them.</a:t>
+              <a:t>Roughly 90 million people own an Xbox device (original, 360, One, &amp; Series X). In this way, Microsoft is already in many peoples' living rooms. As a result of this competitive advantage, there may be a lucrative solution through utilizing them.</a:t>
             </a:r>
           </a:p>
         </p:txBody>
